--- a/docs/slides/PSYC761_L3_ANOVA_1.pptx
+++ b/docs/slides/PSYC761_L3_ANOVA_1.pptx
@@ -166,7 +166,7 @@
 <file path=ppt/revisionInfo.xml><?xml version="1.0" encoding="utf-8"?>
 <p1510:revInfo xmlns:a="http://schemas.openxmlformats.org/drawingml/2006/main" xmlns:r="http://schemas.openxmlformats.org/officeDocument/2006/relationships" xmlns:p1510="http://schemas.microsoft.com/office/powerpoint/2015/10/main">
   <p1510:revLst>
-    <p1510:client id="{509A5376-E33E-49DA-9E79-9C85A987A84C}" v="2" dt="2023-12-01T15:44:10.003"/>
+    <p1510:client id="{9DA82325-0B9A-4FFF-BAAB-189618FF0FEC}" v="1" dt="2024-01-15T16:09:48.158"/>
   </p1510:revLst>
 </p1510:revInfo>
 </file>
@@ -241,6 +241,54 @@
             <ac:spMk id="7" creationId="{936A809B-F66A-45CD-CBA8-DB8BBAAD5B2C}"/>
           </ac:spMkLst>
         </pc:spChg>
+      </pc:sldChg>
+    </pc:docChg>
+  </pc:docChgLst>
+  <pc:docChgLst>
+    <pc:chgData name="Christopher Berry" userId="468ae48a-5539-4b21-98ea-6081f4d86140" providerId="ADAL" clId="{9DA82325-0B9A-4FFF-BAAB-189618FF0FEC}"/>
+    <pc:docChg chg="modSld">
+      <pc:chgData name="Christopher Berry" userId="468ae48a-5539-4b21-98ea-6081f4d86140" providerId="ADAL" clId="{9DA82325-0B9A-4FFF-BAAB-189618FF0FEC}" dt="2024-01-15T16:09:48.158" v="0"/>
+      <pc:docMkLst>
+        <pc:docMk/>
+      </pc:docMkLst>
+      <pc:sldChg chg="addSp modSp">
+        <pc:chgData name="Christopher Berry" userId="468ae48a-5539-4b21-98ea-6081f4d86140" providerId="ADAL" clId="{9DA82325-0B9A-4FFF-BAAB-189618FF0FEC}" dt="2024-01-15T16:09:48.158" v="0"/>
+        <pc:sldMkLst>
+          <pc:docMk/>
+          <pc:sldMk cId="1337738250" sldId="257"/>
+        </pc:sldMkLst>
+        <pc:spChg chg="add mod">
+          <ac:chgData name="Christopher Berry" userId="468ae48a-5539-4b21-98ea-6081f4d86140" providerId="ADAL" clId="{9DA82325-0B9A-4FFF-BAAB-189618FF0FEC}" dt="2024-01-15T16:09:48.158" v="0"/>
+          <ac:spMkLst>
+            <pc:docMk/>
+            <pc:sldMk cId="1337738250" sldId="257"/>
+            <ac:spMk id="5" creationId="{687A3C02-D433-BFA6-602E-FE5C31CEEEC2}"/>
+          </ac:spMkLst>
+        </pc:spChg>
+        <pc:spChg chg="add mod">
+          <ac:chgData name="Christopher Berry" userId="468ae48a-5539-4b21-98ea-6081f4d86140" providerId="ADAL" clId="{9DA82325-0B9A-4FFF-BAAB-189618FF0FEC}" dt="2024-01-15T16:09:48.158" v="0"/>
+          <ac:spMkLst>
+            <pc:docMk/>
+            <pc:sldMk cId="1337738250" sldId="257"/>
+            <ac:spMk id="6" creationId="{12A2C901-2C99-5E8D-04B1-DDE89E9AA279}"/>
+          </ac:spMkLst>
+        </pc:spChg>
+        <pc:picChg chg="add mod">
+          <ac:chgData name="Christopher Berry" userId="468ae48a-5539-4b21-98ea-6081f4d86140" providerId="ADAL" clId="{9DA82325-0B9A-4FFF-BAAB-189618FF0FEC}" dt="2024-01-15T16:09:48.158" v="0"/>
+          <ac:picMkLst>
+            <pc:docMk/>
+            <pc:sldMk cId="1337738250" sldId="257"/>
+            <ac:picMk id="7" creationId="{F2583B5F-A953-2BF4-BC55-4EA665B9581A}"/>
+          </ac:picMkLst>
+        </pc:picChg>
+        <pc:picChg chg="add mod">
+          <ac:chgData name="Christopher Berry" userId="468ae48a-5539-4b21-98ea-6081f4d86140" providerId="ADAL" clId="{9DA82325-0B9A-4FFF-BAAB-189618FF0FEC}" dt="2024-01-15T16:09:48.158" v="0"/>
+          <ac:picMkLst>
+            <pc:docMk/>
+            <pc:sldMk cId="1337738250" sldId="257"/>
+            <ac:picMk id="8" creationId="{F66180E1-866F-7677-EB8F-1AC2E105C4AC}"/>
+          </ac:picMkLst>
+        </pc:picChg>
       </pc:sldChg>
     </pc:docChg>
   </pc:docChgLst>
@@ -810,7 +858,7 @@
           <a:p>
             <a:fld id="{39F2F66B-899D-484E-9C99-E1DBE23F9DE9}" type="datetimeFigureOut">
               <a:rPr lang="en-GB" smtClean="0"/>
-              <a:t>01/12/2023</a:t>
+              <a:t>15/01/2024</a:t>
             </a:fld>
             <a:endParaRPr lang="en-GB"/>
           </a:p>
@@ -976,7 +1024,7 @@
             <a:fld id="{2C09A945-60CF-41CC-BF14-DA645D9ABE0F}" type="datetimeFigureOut">
               <a:rPr lang="en-GB" smtClean="0"/>
               <a:pPr/>
-              <a:t>01/12/2023</a:t>
+              <a:t>15/01/2024</a:t>
             </a:fld>
             <a:endParaRPr lang="en-GB"/>
           </a:p>
@@ -3236,7 +3284,7 @@
           <a:p>
             <a:fld id="{EAF04C24-707B-4065-BD2A-174913E33CAD}" type="datetime1">
               <a:rPr lang="en-US" smtClean="0"/>
-              <a:t>12/1/2023</a:t>
+              <a:t>1/15/2024</a:t>
             </a:fld>
             <a:endParaRPr lang="en-US"/>
           </a:p>
@@ -3400,7 +3448,7 @@
           <a:p>
             <a:fld id="{FD9D9861-8C1D-4C98-92B3-BCC4B0D09560}" type="datetime1">
               <a:rPr lang="en-US" smtClean="0"/>
-              <a:t>12/1/2023</a:t>
+              <a:t>1/15/2024</a:t>
             </a:fld>
             <a:endParaRPr lang="en-US"/>
           </a:p>
@@ -3574,7 +3622,7 @@
           <a:p>
             <a:fld id="{AB0C0274-5C94-4B76-84EC-3A88467CFC15}" type="datetime1">
               <a:rPr lang="en-US" smtClean="0"/>
-              <a:t>12/1/2023</a:t>
+              <a:t>1/15/2024</a:t>
             </a:fld>
             <a:endParaRPr lang="en-US"/>
           </a:p>
@@ -3738,7 +3786,7 @@
           <a:p>
             <a:fld id="{14916CE5-BD76-41AC-9004-69129A8710E3}" type="datetime1">
               <a:rPr lang="en-US" smtClean="0"/>
-              <a:t>12/1/2023</a:t>
+              <a:t>1/15/2024</a:t>
             </a:fld>
             <a:endParaRPr lang="en-US"/>
           </a:p>
@@ -3979,7 +4027,7 @@
           <a:p>
             <a:fld id="{33B45A41-6E3C-4260-9C8A-BEADCFEA1C78}" type="datetime1">
               <a:rPr lang="en-US" smtClean="0"/>
-              <a:t>12/1/2023</a:t>
+              <a:t>1/15/2024</a:t>
             </a:fld>
             <a:endParaRPr lang="en-US"/>
           </a:p>
@@ -4260,7 +4308,7 @@
           <a:p>
             <a:fld id="{E9CFCFAF-687E-487C-ACB5-1179BE9033F5}" type="datetime1">
               <a:rPr lang="en-US" smtClean="0"/>
-              <a:t>12/1/2023</a:t>
+              <a:t>1/15/2024</a:t>
             </a:fld>
             <a:endParaRPr lang="en-US"/>
           </a:p>
@@ -4675,7 +4723,7 @@
           <a:p>
             <a:fld id="{DAF04FE4-8347-4CCD-A017-CDAFD39754C9}" type="datetime1">
               <a:rPr lang="en-US" smtClean="0"/>
-              <a:t>12/1/2023</a:t>
+              <a:t>1/15/2024</a:t>
             </a:fld>
             <a:endParaRPr lang="en-US"/>
           </a:p>
@@ -4788,7 +4836,7 @@
           <a:p>
             <a:fld id="{D1C64846-2780-4A47-8ECD-759CB4E9B7AA}" type="datetime1">
               <a:rPr lang="en-US" smtClean="0"/>
-              <a:t>12/1/2023</a:t>
+              <a:t>1/15/2024</a:t>
             </a:fld>
             <a:endParaRPr lang="en-US"/>
           </a:p>
@@ -4879,7 +4927,7 @@
           <a:p>
             <a:fld id="{2E685AD9-6FC3-4F6B-B3FB-7ACE342435AF}" type="datetime1">
               <a:rPr lang="en-US" smtClean="0"/>
-              <a:t>12/1/2023</a:t>
+              <a:t>1/15/2024</a:t>
             </a:fld>
             <a:endParaRPr lang="en-US"/>
           </a:p>
@@ -5150,7 +5198,7 @@
           <a:p>
             <a:fld id="{AF5C5D38-31D8-437D-88E3-6DEA8F6BCB57}" type="datetime1">
               <a:rPr lang="en-US" smtClean="0"/>
-              <a:t>12/1/2023</a:t>
+              <a:t>1/15/2024</a:t>
             </a:fld>
             <a:endParaRPr lang="en-US"/>
           </a:p>
@@ -5398,7 +5446,7 @@
           <a:p>
             <a:fld id="{1F837F4D-7011-48DC-831B-EC5FC5249B8E}" type="datetime1">
               <a:rPr lang="en-US" smtClean="0"/>
-              <a:t>12/1/2023</a:t>
+              <a:t>1/15/2024</a:t>
             </a:fld>
             <a:endParaRPr lang="en-US"/>
           </a:p>
@@ -5610,7 +5658,7 @@
           <a:p>
             <a:fld id="{24F82163-AB2B-4C5F-B49C-399ECE4A4D9E}" type="datetime1">
               <a:rPr lang="en-US" smtClean="0"/>
-              <a:t>12/1/2023</a:t>
+              <a:t>1/15/2024</a:t>
             </a:fld>
             <a:endParaRPr lang="en-US"/>
           </a:p>
@@ -6160,6 +6208,764 @@
           </a:p>
         </p:txBody>
       </p:sp>
+      <p:sp>
+        <p:nvSpPr>
+          <p:cNvPr id="5" name="Content Placeholder 2">
+            <a:extLst>
+              <a:ext uri="{FF2B5EF4-FFF2-40B4-BE49-F238E27FC236}">
+                <a16:creationId xmlns:a16="http://schemas.microsoft.com/office/drawing/2014/main" id="{687A3C02-D433-BFA6-602E-FE5C31CEEEC2}"/>
+              </a:ext>
+            </a:extLst>
+          </p:cNvPr>
+          <p:cNvSpPr txBox="1">
+            <a:spLocks/>
+          </p:cNvSpPr>
+          <p:nvPr/>
+        </p:nvSpPr>
+        <p:spPr>
+          <a:xfrm>
+            <a:off x="3027939" y="5267001"/>
+            <a:ext cx="3265095" cy="1057599"/>
+          </a:xfrm>
+          <a:prstGeom prst="rect">
+            <a:avLst/>
+          </a:prstGeom>
+        </p:spPr>
+        <p:txBody>
+          <a:bodyPr vert="horz" lIns="91440" tIns="45720" rIns="91440" bIns="45720" rtlCol="0">
+            <a:noAutofit/>
+          </a:bodyPr>
+          <a:lstStyle>
+            <a:lvl1pPr marL="228600" indent="-228600" algn="l" defTabSz="914400" rtl="0" eaLnBrk="1" latinLnBrk="0" hangingPunct="1">
+              <a:lnSpc>
+                <a:spcPct val="90000"/>
+              </a:lnSpc>
+              <a:spcBef>
+                <a:spcPts val="1000"/>
+              </a:spcBef>
+              <a:buFont typeface="Arial" panose="020B0604020202020204" pitchFamily="34" charset="0"/>
+              <a:buChar char="•"/>
+              <a:defRPr sz="2800" kern="1200">
+                <a:solidFill>
+                  <a:schemeClr val="tx1"/>
+                </a:solidFill>
+                <a:latin typeface="+mn-lt"/>
+                <a:ea typeface="+mn-ea"/>
+                <a:cs typeface="+mn-cs"/>
+              </a:defRPr>
+            </a:lvl1pPr>
+            <a:lvl2pPr marL="685800" indent="-228600" algn="l" defTabSz="914400" rtl="0" eaLnBrk="1" latinLnBrk="0" hangingPunct="1">
+              <a:lnSpc>
+                <a:spcPct val="90000"/>
+              </a:lnSpc>
+              <a:spcBef>
+                <a:spcPts val="500"/>
+              </a:spcBef>
+              <a:buFont typeface="Arial" panose="020B0604020202020204" pitchFamily="34" charset="0"/>
+              <a:buChar char="•"/>
+              <a:defRPr sz="2400" kern="1200">
+                <a:solidFill>
+                  <a:schemeClr val="tx1"/>
+                </a:solidFill>
+                <a:latin typeface="+mn-lt"/>
+                <a:ea typeface="+mn-ea"/>
+                <a:cs typeface="+mn-cs"/>
+              </a:defRPr>
+            </a:lvl2pPr>
+            <a:lvl3pPr marL="1143000" indent="-228600" algn="l" defTabSz="914400" rtl="0" eaLnBrk="1" latinLnBrk="0" hangingPunct="1">
+              <a:lnSpc>
+                <a:spcPct val="90000"/>
+              </a:lnSpc>
+              <a:spcBef>
+                <a:spcPts val="500"/>
+              </a:spcBef>
+              <a:buFont typeface="Arial" panose="020B0604020202020204" pitchFamily="34" charset="0"/>
+              <a:buChar char="•"/>
+              <a:defRPr sz="2000" kern="1200">
+                <a:solidFill>
+                  <a:schemeClr val="tx1"/>
+                </a:solidFill>
+                <a:latin typeface="+mn-lt"/>
+                <a:ea typeface="+mn-ea"/>
+                <a:cs typeface="+mn-cs"/>
+              </a:defRPr>
+            </a:lvl3pPr>
+            <a:lvl4pPr marL="1600200" indent="-228600" algn="l" defTabSz="914400" rtl="0" eaLnBrk="1" latinLnBrk="0" hangingPunct="1">
+              <a:lnSpc>
+                <a:spcPct val="90000"/>
+              </a:lnSpc>
+              <a:spcBef>
+                <a:spcPts val="500"/>
+              </a:spcBef>
+              <a:buFont typeface="Arial" panose="020B0604020202020204" pitchFamily="34" charset="0"/>
+              <a:buChar char="•"/>
+              <a:defRPr sz="1800" kern="1200">
+                <a:solidFill>
+                  <a:schemeClr val="tx1"/>
+                </a:solidFill>
+                <a:latin typeface="+mn-lt"/>
+                <a:ea typeface="+mn-ea"/>
+                <a:cs typeface="+mn-cs"/>
+              </a:defRPr>
+            </a:lvl4pPr>
+            <a:lvl5pPr marL="2057400" indent="-228600" algn="l" defTabSz="914400" rtl="0" eaLnBrk="1" latinLnBrk="0" hangingPunct="1">
+              <a:lnSpc>
+                <a:spcPct val="90000"/>
+              </a:lnSpc>
+              <a:spcBef>
+                <a:spcPts val="500"/>
+              </a:spcBef>
+              <a:buFont typeface="Arial" panose="020B0604020202020204" pitchFamily="34" charset="0"/>
+              <a:buChar char="•"/>
+              <a:defRPr sz="1800" kern="1200">
+                <a:solidFill>
+                  <a:schemeClr val="tx1"/>
+                </a:solidFill>
+                <a:latin typeface="+mn-lt"/>
+                <a:ea typeface="+mn-ea"/>
+                <a:cs typeface="+mn-cs"/>
+              </a:defRPr>
+            </a:lvl5pPr>
+            <a:lvl6pPr marL="2514600" indent="-228600" algn="l" defTabSz="914400" rtl="0" eaLnBrk="1" latinLnBrk="0" hangingPunct="1">
+              <a:lnSpc>
+                <a:spcPct val="90000"/>
+              </a:lnSpc>
+              <a:spcBef>
+                <a:spcPts val="500"/>
+              </a:spcBef>
+              <a:buFont typeface="Arial" panose="020B0604020202020204" pitchFamily="34" charset="0"/>
+              <a:buChar char="•"/>
+              <a:defRPr sz="1800" kern="1200">
+                <a:solidFill>
+                  <a:schemeClr val="tx1"/>
+                </a:solidFill>
+                <a:latin typeface="+mn-lt"/>
+                <a:ea typeface="+mn-ea"/>
+                <a:cs typeface="+mn-cs"/>
+              </a:defRPr>
+            </a:lvl6pPr>
+            <a:lvl7pPr marL="2971800" indent="-228600" algn="l" defTabSz="914400" rtl="0" eaLnBrk="1" latinLnBrk="0" hangingPunct="1">
+              <a:lnSpc>
+                <a:spcPct val="90000"/>
+              </a:lnSpc>
+              <a:spcBef>
+                <a:spcPts val="500"/>
+              </a:spcBef>
+              <a:buFont typeface="Arial" panose="020B0604020202020204" pitchFamily="34" charset="0"/>
+              <a:buChar char="•"/>
+              <a:defRPr sz="1800" kern="1200">
+                <a:solidFill>
+                  <a:schemeClr val="tx1"/>
+                </a:solidFill>
+                <a:latin typeface="+mn-lt"/>
+                <a:ea typeface="+mn-ea"/>
+                <a:cs typeface="+mn-cs"/>
+              </a:defRPr>
+            </a:lvl7pPr>
+            <a:lvl8pPr marL="3429000" indent="-228600" algn="l" defTabSz="914400" rtl="0" eaLnBrk="1" latinLnBrk="0" hangingPunct="1">
+              <a:lnSpc>
+                <a:spcPct val="90000"/>
+              </a:lnSpc>
+              <a:spcBef>
+                <a:spcPts val="500"/>
+              </a:spcBef>
+              <a:buFont typeface="Arial" panose="020B0604020202020204" pitchFamily="34" charset="0"/>
+              <a:buChar char="•"/>
+              <a:defRPr sz="1800" kern="1200">
+                <a:solidFill>
+                  <a:schemeClr val="tx1"/>
+                </a:solidFill>
+                <a:latin typeface="+mn-lt"/>
+                <a:ea typeface="+mn-ea"/>
+                <a:cs typeface="+mn-cs"/>
+              </a:defRPr>
+            </a:lvl8pPr>
+            <a:lvl9pPr marL="3886200" indent="-228600" algn="l" defTabSz="914400" rtl="0" eaLnBrk="1" latinLnBrk="0" hangingPunct="1">
+              <a:lnSpc>
+                <a:spcPct val="90000"/>
+              </a:lnSpc>
+              <a:spcBef>
+                <a:spcPts val="500"/>
+              </a:spcBef>
+              <a:buFont typeface="Arial" panose="020B0604020202020204" pitchFamily="34" charset="0"/>
+              <a:buChar char="•"/>
+              <a:defRPr sz="1800" kern="1200">
+                <a:solidFill>
+                  <a:schemeClr val="tx1"/>
+                </a:solidFill>
+                <a:latin typeface="+mn-lt"/>
+                <a:ea typeface="+mn-ea"/>
+                <a:cs typeface="+mn-cs"/>
+              </a:defRPr>
+            </a:lvl9pPr>
+          </a:lstStyle>
+          <a:p>
+            <a:pPr marL="0" marR="0" lvl="0" indent="0" algn="l" defTabSz="914400" rtl="0" eaLnBrk="1" fontAlgn="auto" latinLnBrk="0" hangingPunct="1">
+              <a:lnSpc>
+                <a:spcPct val="100000"/>
+              </a:lnSpc>
+              <a:spcBef>
+                <a:spcPts val="0"/>
+              </a:spcBef>
+              <a:spcAft>
+                <a:spcPts val="0"/>
+              </a:spcAft>
+              <a:buClrTx/>
+              <a:buSzTx/>
+              <a:buFont typeface="Arial" panose="020B0604020202020204" pitchFamily="34" charset="0"/>
+              <a:buNone/>
+              <a:tabLst/>
+              <a:defRPr/>
+            </a:pPr>
+            <a:r>
+              <a:rPr kumimoji="0" lang="en-GB" sz="2000" b="0" i="1" u="none" strike="noStrike" kern="1200" cap="none" spc="0" normalizeH="0" baseline="0" noProof="0">
+                <a:ln>
+                  <a:noFill/>
+                </a:ln>
+                <a:solidFill>
+                  <a:sysClr val="windowText" lastClr="000000"/>
+                </a:solidFill>
+                <a:effectLst/>
+                <a:uLnTx/>
+                <a:uFillTx/>
+                <a:latin typeface="Calibri" panose="020F0502020204030204"/>
+                <a:ea typeface="+mn-ea"/>
+                <a:cs typeface="+mn-cs"/>
+              </a:rPr>
+              <a:t>Book an office appointment:</a:t>
+            </a:r>
+          </a:p>
+          <a:p>
+            <a:pPr marL="0" marR="0" lvl="0" indent="0" algn="l" defTabSz="914400" rtl="0" eaLnBrk="1" fontAlgn="auto" latinLnBrk="0" hangingPunct="1">
+              <a:lnSpc>
+                <a:spcPct val="100000"/>
+              </a:lnSpc>
+              <a:spcBef>
+                <a:spcPts val="0"/>
+              </a:spcBef>
+              <a:spcAft>
+                <a:spcPts val="0"/>
+              </a:spcAft>
+              <a:buClrTx/>
+              <a:buSzTx/>
+              <a:buFont typeface="Arial" panose="020B0604020202020204" pitchFamily="34" charset="0"/>
+              <a:buNone/>
+              <a:tabLst/>
+              <a:defRPr/>
+            </a:pPr>
+            <a:r>
+              <a:rPr kumimoji="0" lang="en-GB" sz="2000" b="0" i="0" u="none" strike="noStrike" kern="1200" cap="none" spc="0" normalizeH="0" baseline="0" noProof="0">
+                <a:ln>
+                  <a:noFill/>
+                </a:ln>
+                <a:solidFill>
+                  <a:sysClr val="windowText" lastClr="000000"/>
+                </a:solidFill>
+                <a:effectLst/>
+                <a:uLnTx/>
+                <a:uFillTx/>
+                <a:latin typeface="Calibri" panose="020F0502020204030204"/>
+                <a:ea typeface="+mn-ea"/>
+                <a:cs typeface="+mn-cs"/>
+              </a:rPr>
+              <a:t>Usually Tue and Fri 1-2pm</a:t>
+            </a:r>
+          </a:p>
+          <a:p>
+            <a:pPr marL="0" marR="0" lvl="0" indent="0" algn="l" defTabSz="914400" rtl="0" eaLnBrk="1" fontAlgn="auto" latinLnBrk="0" hangingPunct="1">
+              <a:lnSpc>
+                <a:spcPct val="100000"/>
+              </a:lnSpc>
+              <a:spcBef>
+                <a:spcPts val="0"/>
+              </a:spcBef>
+              <a:spcAft>
+                <a:spcPts val="0"/>
+              </a:spcAft>
+              <a:buClrTx/>
+              <a:buSzTx/>
+              <a:buFont typeface="Arial" panose="020B0604020202020204" pitchFamily="34" charset="0"/>
+              <a:buNone/>
+              <a:tabLst/>
+              <a:defRPr/>
+            </a:pPr>
+            <a:r>
+              <a:rPr kumimoji="0" lang="en-GB" sz="1800" b="0" i="0" u="none" strike="noStrike" kern="1200" cap="none" spc="0" normalizeH="0" baseline="0" noProof="0">
+                <a:ln>
+                  <a:noFill/>
+                </a:ln>
+                <a:solidFill>
+                  <a:sysClr val="windowText" lastClr="000000"/>
+                </a:solidFill>
+                <a:effectLst/>
+                <a:uLnTx/>
+                <a:uFillTx/>
+                <a:latin typeface="Calibri" panose="020F0502020204030204"/>
+                <a:ea typeface="+mn-ea"/>
+                <a:cs typeface="+mn-cs"/>
+              </a:rPr>
+              <a:t>Scan QR code or click </a:t>
+            </a:r>
+            <a:r>
+              <a:rPr kumimoji="0" lang="en-GB" sz="1800" b="0" i="0" u="none" strike="noStrike" kern="1200" cap="none" spc="0" normalizeH="0" baseline="0" noProof="0">
+                <a:ln>
+                  <a:noFill/>
+                </a:ln>
+                <a:solidFill>
+                  <a:sysClr val="windowText" lastClr="000000"/>
+                </a:solidFill>
+                <a:effectLst/>
+                <a:uLnTx/>
+                <a:uFillTx/>
+                <a:latin typeface="Calibri" panose="020F0502020204030204"/>
+                <a:ea typeface="+mn-ea"/>
+                <a:cs typeface="+mn-cs"/>
+                <a:hlinkClick r:id="rId4"/>
+              </a:rPr>
+              <a:t>here</a:t>
+            </a:r>
+            <a:endParaRPr kumimoji="0" lang="en-GB" sz="2400" b="0" i="0" u="none" strike="noStrike" kern="1200" cap="none" spc="0" normalizeH="0" baseline="0" noProof="0">
+              <a:ln>
+                <a:noFill/>
+              </a:ln>
+              <a:solidFill>
+                <a:sysClr val="windowText" lastClr="000000"/>
+              </a:solidFill>
+              <a:effectLst/>
+              <a:uLnTx/>
+              <a:uFillTx/>
+              <a:latin typeface="Calibri" panose="020F0502020204030204"/>
+              <a:ea typeface="+mn-ea"/>
+              <a:cs typeface="+mn-cs"/>
+            </a:endParaRPr>
+          </a:p>
+          <a:p>
+            <a:pPr marL="0" marR="0" lvl="0" indent="0" algn="l" defTabSz="914400" rtl="0" eaLnBrk="1" fontAlgn="auto" latinLnBrk="0" hangingPunct="1">
+              <a:lnSpc>
+                <a:spcPct val="100000"/>
+              </a:lnSpc>
+              <a:spcBef>
+                <a:spcPts val="0"/>
+              </a:spcBef>
+              <a:spcAft>
+                <a:spcPts val="0"/>
+              </a:spcAft>
+              <a:buClrTx/>
+              <a:buSzTx/>
+              <a:buFont typeface="Arial" panose="020B0604020202020204" pitchFamily="34" charset="0"/>
+              <a:buNone/>
+              <a:tabLst/>
+              <a:defRPr/>
+            </a:pPr>
+            <a:endParaRPr kumimoji="0" lang="en-GB" sz="2400" b="0" i="0" u="none" strike="noStrike" kern="1200" cap="none" spc="0" normalizeH="0" baseline="0" noProof="0">
+              <a:ln>
+                <a:noFill/>
+              </a:ln>
+              <a:solidFill>
+                <a:sysClr val="windowText" lastClr="000000"/>
+              </a:solidFill>
+              <a:effectLst/>
+              <a:uLnTx/>
+              <a:uFillTx/>
+              <a:latin typeface="Calibri" panose="020F0502020204030204"/>
+              <a:ea typeface="+mn-ea"/>
+              <a:cs typeface="+mn-cs"/>
+            </a:endParaRPr>
+          </a:p>
+          <a:p>
+            <a:pPr marL="0" marR="0" lvl="0" indent="0" algn="l" defTabSz="914400" rtl="0" eaLnBrk="1" fontAlgn="auto" latinLnBrk="0" hangingPunct="1">
+              <a:lnSpc>
+                <a:spcPct val="100000"/>
+              </a:lnSpc>
+              <a:spcBef>
+                <a:spcPts val="0"/>
+              </a:spcBef>
+              <a:spcAft>
+                <a:spcPts val="0"/>
+              </a:spcAft>
+              <a:buClrTx/>
+              <a:buSzTx/>
+              <a:buFont typeface="Arial" panose="020B0604020202020204" pitchFamily="34" charset="0"/>
+              <a:buNone/>
+              <a:tabLst/>
+              <a:defRPr/>
+            </a:pPr>
+            <a:endParaRPr kumimoji="0" lang="en-GB" sz="2400" b="0" i="0" u="none" strike="noStrike" kern="1200" cap="none" spc="0" normalizeH="0" baseline="0" noProof="0">
+              <a:ln>
+                <a:noFill/>
+              </a:ln>
+              <a:solidFill>
+                <a:sysClr val="windowText" lastClr="000000"/>
+              </a:solidFill>
+              <a:effectLst/>
+              <a:uLnTx/>
+              <a:uFillTx/>
+              <a:latin typeface="Calibri" panose="020F0502020204030204"/>
+              <a:ea typeface="+mn-ea"/>
+              <a:cs typeface="+mn-cs"/>
+            </a:endParaRPr>
+          </a:p>
+          <a:p>
+            <a:pPr marL="0" marR="0" lvl="0" indent="0" algn="l" defTabSz="914400" rtl="0" eaLnBrk="1" fontAlgn="auto" latinLnBrk="0" hangingPunct="1">
+              <a:lnSpc>
+                <a:spcPct val="90000"/>
+              </a:lnSpc>
+              <a:spcBef>
+                <a:spcPts val="1000"/>
+              </a:spcBef>
+              <a:spcAft>
+                <a:spcPts val="0"/>
+              </a:spcAft>
+              <a:buClrTx/>
+              <a:buSzTx/>
+              <a:buFont typeface="Arial" panose="020B0604020202020204" pitchFamily="34" charset="0"/>
+              <a:buNone/>
+              <a:tabLst/>
+              <a:defRPr/>
+            </a:pPr>
+            <a:endParaRPr kumimoji="0" lang="en-GB" sz="2400" b="0" i="0" u="none" strike="noStrike" kern="1200" cap="none" spc="0" normalizeH="0" baseline="0" noProof="0" dirty="0">
+              <a:ln>
+                <a:noFill/>
+              </a:ln>
+              <a:solidFill>
+                <a:sysClr val="windowText" lastClr="000000"/>
+              </a:solidFill>
+              <a:effectLst/>
+              <a:uLnTx/>
+              <a:uFillTx/>
+              <a:latin typeface="Calibri" panose="020F0502020204030204"/>
+              <a:ea typeface="+mn-ea"/>
+              <a:cs typeface="+mn-cs"/>
+            </a:endParaRPr>
+          </a:p>
+        </p:txBody>
+      </p:sp>
+      <p:sp>
+        <p:nvSpPr>
+          <p:cNvPr id="6" name="Rectangle 5">
+            <a:extLst>
+              <a:ext uri="{FF2B5EF4-FFF2-40B4-BE49-F238E27FC236}">
+                <a16:creationId xmlns:a16="http://schemas.microsoft.com/office/drawing/2014/main" id="{12A2C901-2C99-5E8D-04B1-DDE89E9AA279}"/>
+              </a:ext>
+            </a:extLst>
+          </p:cNvPr>
+          <p:cNvSpPr/>
+          <p:nvPr/>
+        </p:nvSpPr>
+        <p:spPr>
+          <a:xfrm>
+            <a:off x="9526843" y="5267002"/>
+            <a:ext cx="2388254" cy="914400"/>
+          </a:xfrm>
+          <a:prstGeom prst="rect">
+            <a:avLst/>
+          </a:prstGeom>
+          <a:noFill/>
+          <a:ln w="12700" cap="flat" cmpd="sng" algn="ctr">
+            <a:noFill/>
+            <a:prstDash val="solid"/>
+            <a:miter lim="800000"/>
+          </a:ln>
+          <a:effectLst/>
+        </p:spPr>
+        <p:txBody>
+          <a:bodyPr rot="0" spcFirstLastPara="0" vert="horz" wrap="square" lIns="91440" tIns="45720" rIns="91440" bIns="45720" numCol="1" spcCol="0" rtlCol="0" fromWordArt="0" anchor="ctr" anchorCtr="0" forceAA="0" compatLnSpc="1">
+            <a:prstTxWarp prst="textNoShape">
+              <a:avLst/>
+            </a:prstTxWarp>
+            <a:noAutofit/>
+          </a:bodyPr>
+          <a:lstStyle>
+            <a:defPPr>
+              <a:defRPr lang="en-US"/>
+            </a:defPPr>
+            <a:lvl1pPr algn="l" rtl="0" fontAlgn="base">
+              <a:spcBef>
+                <a:spcPct val="0"/>
+              </a:spcBef>
+              <a:spcAft>
+                <a:spcPct val="0"/>
+              </a:spcAft>
+              <a:defRPr kern="1200">
+                <a:solidFill>
+                  <a:schemeClr val="lt1"/>
+                </a:solidFill>
+                <a:latin typeface="+mn-lt"/>
+                <a:ea typeface="+mn-ea"/>
+                <a:cs typeface="+mn-cs"/>
+              </a:defRPr>
+            </a:lvl1pPr>
+            <a:lvl2pPr marL="457200" algn="l" rtl="0" fontAlgn="base">
+              <a:spcBef>
+                <a:spcPct val="0"/>
+              </a:spcBef>
+              <a:spcAft>
+                <a:spcPct val="0"/>
+              </a:spcAft>
+              <a:defRPr kern="1200">
+                <a:solidFill>
+                  <a:schemeClr val="lt1"/>
+                </a:solidFill>
+                <a:latin typeface="+mn-lt"/>
+                <a:ea typeface="+mn-ea"/>
+                <a:cs typeface="+mn-cs"/>
+              </a:defRPr>
+            </a:lvl2pPr>
+            <a:lvl3pPr marL="914400" algn="l" rtl="0" fontAlgn="base">
+              <a:spcBef>
+                <a:spcPct val="0"/>
+              </a:spcBef>
+              <a:spcAft>
+                <a:spcPct val="0"/>
+              </a:spcAft>
+              <a:defRPr kern="1200">
+                <a:solidFill>
+                  <a:schemeClr val="lt1"/>
+                </a:solidFill>
+                <a:latin typeface="+mn-lt"/>
+                <a:ea typeface="+mn-ea"/>
+                <a:cs typeface="+mn-cs"/>
+              </a:defRPr>
+            </a:lvl3pPr>
+            <a:lvl4pPr marL="1371600" algn="l" rtl="0" fontAlgn="base">
+              <a:spcBef>
+                <a:spcPct val="0"/>
+              </a:spcBef>
+              <a:spcAft>
+                <a:spcPct val="0"/>
+              </a:spcAft>
+              <a:defRPr kern="1200">
+                <a:solidFill>
+                  <a:schemeClr val="lt1"/>
+                </a:solidFill>
+                <a:latin typeface="+mn-lt"/>
+                <a:ea typeface="+mn-ea"/>
+                <a:cs typeface="+mn-cs"/>
+              </a:defRPr>
+            </a:lvl4pPr>
+            <a:lvl5pPr marL="1828800" algn="l" rtl="0" fontAlgn="base">
+              <a:spcBef>
+                <a:spcPct val="0"/>
+              </a:spcBef>
+              <a:spcAft>
+                <a:spcPct val="0"/>
+              </a:spcAft>
+              <a:defRPr kern="1200">
+                <a:solidFill>
+                  <a:schemeClr val="lt1"/>
+                </a:solidFill>
+                <a:latin typeface="+mn-lt"/>
+                <a:ea typeface="+mn-ea"/>
+                <a:cs typeface="+mn-cs"/>
+              </a:defRPr>
+            </a:lvl5pPr>
+            <a:lvl6pPr marL="2286000" algn="l" defTabSz="914400" rtl="0" eaLnBrk="1" latinLnBrk="0" hangingPunct="1">
+              <a:defRPr kern="1200">
+                <a:solidFill>
+                  <a:schemeClr val="lt1"/>
+                </a:solidFill>
+                <a:latin typeface="+mn-lt"/>
+                <a:ea typeface="+mn-ea"/>
+                <a:cs typeface="+mn-cs"/>
+              </a:defRPr>
+            </a:lvl6pPr>
+            <a:lvl7pPr marL="2743200" algn="l" defTabSz="914400" rtl="0" eaLnBrk="1" latinLnBrk="0" hangingPunct="1">
+              <a:defRPr kern="1200">
+                <a:solidFill>
+                  <a:schemeClr val="lt1"/>
+                </a:solidFill>
+                <a:latin typeface="+mn-lt"/>
+                <a:ea typeface="+mn-ea"/>
+                <a:cs typeface="+mn-cs"/>
+              </a:defRPr>
+            </a:lvl7pPr>
+            <a:lvl8pPr marL="3200400" algn="l" defTabSz="914400" rtl="0" eaLnBrk="1" latinLnBrk="0" hangingPunct="1">
+              <a:defRPr kern="1200">
+                <a:solidFill>
+                  <a:schemeClr val="lt1"/>
+                </a:solidFill>
+                <a:latin typeface="+mn-lt"/>
+                <a:ea typeface="+mn-ea"/>
+                <a:cs typeface="+mn-cs"/>
+              </a:defRPr>
+            </a:lvl8pPr>
+            <a:lvl9pPr marL="3657600" algn="l" defTabSz="914400" rtl="0" eaLnBrk="1" latinLnBrk="0" hangingPunct="1">
+              <a:defRPr kern="1200">
+                <a:solidFill>
+                  <a:schemeClr val="lt1"/>
+                </a:solidFill>
+                <a:latin typeface="+mn-lt"/>
+                <a:ea typeface="+mn-ea"/>
+                <a:cs typeface="+mn-cs"/>
+              </a:defRPr>
+            </a:lvl9pPr>
+          </a:lstStyle>
+          <a:p>
+            <a:pPr marL="0" marR="0" lvl="0" indent="0" algn="l" defTabSz="914400" rtl="0" eaLnBrk="1" fontAlgn="base" latinLnBrk="0" hangingPunct="1">
+              <a:lnSpc>
+                <a:spcPct val="100000"/>
+              </a:lnSpc>
+              <a:spcBef>
+                <a:spcPct val="0"/>
+              </a:spcBef>
+              <a:spcAft>
+                <a:spcPct val="0"/>
+              </a:spcAft>
+              <a:buClrTx/>
+              <a:buSzTx/>
+              <a:buFontTx/>
+              <a:buNone/>
+              <a:tabLst/>
+              <a:defRPr/>
+            </a:pPr>
+            <a:r>
+              <a:rPr kumimoji="0" lang="en-GB" sz="2400" b="1" i="0" u="none" strike="noStrike" kern="1200" cap="none" spc="0" normalizeH="0" baseline="0" noProof="0" dirty="0">
+                <a:ln>
+                  <a:noFill/>
+                </a:ln>
+                <a:solidFill>
+                  <a:prstClr val="black"/>
+                </a:solidFill>
+                <a:effectLst/>
+                <a:uLnTx/>
+                <a:uFillTx/>
+                <a:latin typeface="Arial" panose="020B0604020202020204" pitchFamily="34" charset="0"/>
+                <a:ea typeface="+mn-ea"/>
+                <a:cs typeface="Arial" panose="020B0604020202020204" pitchFamily="34" charset="0"/>
+              </a:rPr>
+              <a:t>Check in code</a:t>
+            </a:r>
+          </a:p>
+          <a:p>
+            <a:pPr marL="0" marR="0" lvl="0" indent="0" algn="l" defTabSz="914400" rtl="0" eaLnBrk="1" fontAlgn="base" latinLnBrk="0" hangingPunct="1">
+              <a:lnSpc>
+                <a:spcPct val="100000"/>
+              </a:lnSpc>
+              <a:spcBef>
+                <a:spcPct val="0"/>
+              </a:spcBef>
+              <a:spcAft>
+                <a:spcPct val="0"/>
+              </a:spcAft>
+              <a:buClrTx/>
+              <a:buSzTx/>
+              <a:buFontTx/>
+              <a:buNone/>
+              <a:tabLst/>
+              <a:defRPr/>
+            </a:pPr>
+            <a:r>
+              <a:rPr kumimoji="0" lang="en-GB" sz="2400" b="1" i="0" u="none" strike="noStrike" kern="1200" cap="none" spc="0" normalizeH="0" baseline="0" noProof="0" dirty="0">
+                <a:ln>
+                  <a:noFill/>
+                </a:ln>
+                <a:solidFill>
+                  <a:srgbClr val="FF0000"/>
+                </a:solidFill>
+                <a:effectLst/>
+                <a:uLnTx/>
+                <a:uFillTx/>
+                <a:latin typeface="Arial" panose="020B0604020202020204" pitchFamily="34" charset="0"/>
+                <a:ea typeface="+mn-ea"/>
+                <a:cs typeface="Arial" panose="020B0604020202020204" pitchFamily="34" charset="0"/>
+              </a:rPr>
+              <a:t>**-**-**</a:t>
+            </a:r>
+            <a:endParaRPr kumimoji="0" lang="en-GB" sz="2400" b="1" i="0" u="none" strike="noStrike" kern="1200" cap="none" spc="0" normalizeH="0" baseline="0" noProof="0" dirty="0">
+              <a:ln>
+                <a:noFill/>
+              </a:ln>
+              <a:solidFill>
+                <a:prstClr val="black"/>
+              </a:solidFill>
+              <a:effectLst/>
+              <a:uLnTx/>
+              <a:uFillTx/>
+              <a:latin typeface="Arial" panose="020B0604020202020204" pitchFamily="34" charset="0"/>
+              <a:ea typeface="+mn-ea"/>
+              <a:cs typeface="Arial" panose="020B0604020202020204" pitchFamily="34" charset="0"/>
+            </a:endParaRPr>
+          </a:p>
+        </p:txBody>
+      </p:sp>
+      <p:pic>
+        <p:nvPicPr>
+          <p:cNvPr id="7" name="Picture 6">
+            <a:extLst>
+              <a:ext uri="{FF2B5EF4-FFF2-40B4-BE49-F238E27FC236}">
+                <a16:creationId xmlns:a16="http://schemas.microsoft.com/office/drawing/2014/main" id="{F2583B5F-A953-2BF4-BC55-4EA665B9581A}"/>
+              </a:ext>
+            </a:extLst>
+          </p:cNvPr>
+          <p:cNvPicPr>
+            <a:picLocks noChangeAspect="1"/>
+          </p:cNvPicPr>
+          <p:nvPr/>
+        </p:nvPicPr>
+        <p:blipFill>
+          <a:blip r:embed="rId5">
+            <a:extLst>
+              <a:ext uri="{28A0092B-C50C-407E-A947-70E740481C1C}">
+                <a14:useLocalDpi xmlns:a14="http://schemas.microsoft.com/office/drawing/2010/main" val="0"/>
+              </a:ext>
+            </a:extLst>
+          </a:blip>
+          <a:srcRect/>
+          <a:stretch/>
+        </p:blipFill>
+        <p:spPr>
+          <a:xfrm>
+            <a:off x="6343650" y="5097651"/>
+            <a:ext cx="1587722" cy="1587722"/>
+          </a:xfrm>
+          <a:prstGeom prst="rect">
+            <a:avLst/>
+          </a:prstGeom>
+        </p:spPr>
+      </p:pic>
+      <p:pic>
+        <p:nvPicPr>
+          <p:cNvPr id="8" name="Picture 7">
+            <a:extLst>
+              <a:ext uri="{FF2B5EF4-FFF2-40B4-BE49-F238E27FC236}">
+                <a16:creationId xmlns:a16="http://schemas.microsoft.com/office/drawing/2014/main" id="{F66180E1-866F-7677-EB8F-1AC2E105C4AC}"/>
+              </a:ext>
+            </a:extLst>
+          </p:cNvPr>
+          <p:cNvPicPr>
+            <a:picLocks noChangeAspect="1"/>
+          </p:cNvPicPr>
+          <p:nvPr/>
+        </p:nvPicPr>
+        <p:blipFill rotWithShape="1">
+          <a:blip r:embed="rId6">
+            <a:extLst>
+              <a:ext uri="{28A0092B-C50C-407E-A947-70E740481C1C}">
+                <a14:useLocalDpi xmlns:a14="http://schemas.microsoft.com/office/drawing/2010/main" val="0"/>
+              </a:ext>
+            </a:extLst>
+          </a:blip>
+          <a:srcRect l="6300" t="15443" r="6024" b="14050"/>
+          <a:stretch/>
+        </p:blipFill>
+        <p:spPr bwMode="auto">
+          <a:xfrm>
+            <a:off x="8801100" y="320156"/>
+            <a:ext cx="3140698" cy="948012"/>
+          </a:xfrm>
+          <a:prstGeom prst="rect">
+            <a:avLst/>
+          </a:prstGeom>
+          <a:ln>
+            <a:noFill/>
+          </a:ln>
+          <a:extLst>
+            <a:ext uri="{53640926-AAD7-44D8-BBD7-CCE9431645EC}">
+              <a14:shadowObscured xmlns:a14="http://schemas.microsoft.com/office/drawing/2010/main"/>
+            </a:ext>
+          </a:extLst>
+        </p:spPr>
+      </p:pic>
     </p:spTree>
     <p:extLst>
       <p:ext uri="{BB962C8B-B14F-4D97-AF65-F5344CB8AC3E}">

--- a/docs/slides/PSYC761_L3_ANOVA_1.pptx
+++ b/docs/slides/PSYC761_L3_ANOVA_1.pptx
@@ -5,10 +5,10 @@
     <p:sldMasterId id="2147483648" r:id="rId1"/>
   </p:sldMasterIdLst>
   <p:notesMasterIdLst>
-    <p:notesMasterId r:id="rId23"/>
+    <p:notesMasterId r:id="rId24"/>
   </p:notesMasterIdLst>
   <p:handoutMasterIdLst>
-    <p:handoutMasterId r:id="rId24"/>
+    <p:handoutMasterId r:id="rId25"/>
   </p:handoutMasterIdLst>
   <p:sldIdLst>
     <p:sldId id="257" r:id="rId2"/>
@@ -30,8 +30,9 @@
     <p:sldId id="369" r:id="rId18"/>
     <p:sldId id="375" r:id="rId19"/>
     <p:sldId id="376" r:id="rId20"/>
-    <p:sldId id="373" r:id="rId21"/>
-    <p:sldId id="361" r:id="rId22"/>
+    <p:sldId id="377" r:id="rId21"/>
+    <p:sldId id="373" r:id="rId22"/>
+    <p:sldId id="361" r:id="rId23"/>
   </p:sldIdLst>
   <p:sldSz cx="12192000" cy="6858000"/>
   <p:notesSz cx="6858000" cy="9945688"/>
@@ -166,7 +167,7 @@
 <file path=ppt/revisionInfo.xml><?xml version="1.0" encoding="utf-8"?>
 <p1510:revInfo xmlns:a="http://schemas.openxmlformats.org/drawingml/2006/main" xmlns:r="http://schemas.openxmlformats.org/officeDocument/2006/relationships" xmlns:p1510="http://schemas.microsoft.com/office/powerpoint/2015/10/main">
   <p1510:revLst>
-    <p1510:client id="{9DA82325-0B9A-4FFF-BAAB-189618FF0FEC}" v="1" dt="2024-01-15T16:09:48.158"/>
+    <p1510:client id="{4E449EBB-1385-43FC-9561-CF55D00F111E}" v="90" dt="2024-02-02T16:18:44.082"/>
   </p1510:revLst>
 </p1510:revInfo>
 </file>
@@ -241,54 +242,6 @@
             <ac:spMk id="7" creationId="{936A809B-F66A-45CD-CBA8-DB8BBAAD5B2C}"/>
           </ac:spMkLst>
         </pc:spChg>
-      </pc:sldChg>
-    </pc:docChg>
-  </pc:docChgLst>
-  <pc:docChgLst>
-    <pc:chgData name="Christopher Berry" userId="468ae48a-5539-4b21-98ea-6081f4d86140" providerId="ADAL" clId="{9DA82325-0B9A-4FFF-BAAB-189618FF0FEC}"/>
-    <pc:docChg chg="modSld">
-      <pc:chgData name="Christopher Berry" userId="468ae48a-5539-4b21-98ea-6081f4d86140" providerId="ADAL" clId="{9DA82325-0B9A-4FFF-BAAB-189618FF0FEC}" dt="2024-01-15T16:09:48.158" v="0"/>
-      <pc:docMkLst>
-        <pc:docMk/>
-      </pc:docMkLst>
-      <pc:sldChg chg="addSp modSp">
-        <pc:chgData name="Christopher Berry" userId="468ae48a-5539-4b21-98ea-6081f4d86140" providerId="ADAL" clId="{9DA82325-0B9A-4FFF-BAAB-189618FF0FEC}" dt="2024-01-15T16:09:48.158" v="0"/>
-        <pc:sldMkLst>
-          <pc:docMk/>
-          <pc:sldMk cId="1337738250" sldId="257"/>
-        </pc:sldMkLst>
-        <pc:spChg chg="add mod">
-          <ac:chgData name="Christopher Berry" userId="468ae48a-5539-4b21-98ea-6081f4d86140" providerId="ADAL" clId="{9DA82325-0B9A-4FFF-BAAB-189618FF0FEC}" dt="2024-01-15T16:09:48.158" v="0"/>
-          <ac:spMkLst>
-            <pc:docMk/>
-            <pc:sldMk cId="1337738250" sldId="257"/>
-            <ac:spMk id="5" creationId="{687A3C02-D433-BFA6-602E-FE5C31CEEEC2}"/>
-          </ac:spMkLst>
-        </pc:spChg>
-        <pc:spChg chg="add mod">
-          <ac:chgData name="Christopher Berry" userId="468ae48a-5539-4b21-98ea-6081f4d86140" providerId="ADAL" clId="{9DA82325-0B9A-4FFF-BAAB-189618FF0FEC}" dt="2024-01-15T16:09:48.158" v="0"/>
-          <ac:spMkLst>
-            <pc:docMk/>
-            <pc:sldMk cId="1337738250" sldId="257"/>
-            <ac:spMk id="6" creationId="{12A2C901-2C99-5E8D-04B1-DDE89E9AA279}"/>
-          </ac:spMkLst>
-        </pc:spChg>
-        <pc:picChg chg="add mod">
-          <ac:chgData name="Christopher Berry" userId="468ae48a-5539-4b21-98ea-6081f4d86140" providerId="ADAL" clId="{9DA82325-0B9A-4FFF-BAAB-189618FF0FEC}" dt="2024-01-15T16:09:48.158" v="0"/>
-          <ac:picMkLst>
-            <pc:docMk/>
-            <pc:sldMk cId="1337738250" sldId="257"/>
-            <ac:picMk id="7" creationId="{F2583B5F-A953-2BF4-BC55-4EA665B9581A}"/>
-          </ac:picMkLst>
-        </pc:picChg>
-        <pc:picChg chg="add mod">
-          <ac:chgData name="Christopher Berry" userId="468ae48a-5539-4b21-98ea-6081f4d86140" providerId="ADAL" clId="{9DA82325-0B9A-4FFF-BAAB-189618FF0FEC}" dt="2024-01-15T16:09:48.158" v="0"/>
-          <ac:picMkLst>
-            <pc:docMk/>
-            <pc:sldMk cId="1337738250" sldId="257"/>
-            <ac:picMk id="8" creationId="{F66180E1-866F-7677-EB8F-1AC2E105C4AC}"/>
-          </ac:picMkLst>
-        </pc:picChg>
       </pc:sldChg>
     </pc:docChg>
   </pc:docChgLst>
@@ -625,151 +578,366 @@
     </pc:docChg>
   </pc:docChgLst>
   <pc:docChgLst>
-    <pc:chgData name="Christopher Berry" userId="468ae48a-5539-4b21-98ea-6081f4d86140" providerId="ADAL" clId="{EBFFA4AD-031B-4CFE-8AE6-CB84DEC6D16D}"/>
+    <pc:chgData name="Christopher Berry" userId="468ae48a-5539-4b21-98ea-6081f4d86140" providerId="ADAL" clId="{CC0E8014-8954-444F-B203-A221B19F8BDD}"/>
     <pc:docChg chg="custSel modSld">
-      <pc:chgData name="Christopher Berry" userId="468ae48a-5539-4b21-98ea-6081f4d86140" providerId="ADAL" clId="{EBFFA4AD-031B-4CFE-8AE6-CB84DEC6D16D}" dt="2023-12-01T16:13:10.454" v="39" actId="368"/>
+      <pc:chgData name="Christopher Berry" userId="468ae48a-5539-4b21-98ea-6081f4d86140" providerId="ADAL" clId="{CC0E8014-8954-444F-B203-A221B19F8BDD}" dt="2024-02-02T16:20:21.673" v="41" actId="368"/>
       <pc:docMkLst>
         <pc:docMk/>
       </pc:docMkLst>
       <pc:sldChg chg="modNotes">
-        <pc:chgData name="Christopher Berry" userId="468ae48a-5539-4b21-98ea-6081f4d86140" providerId="ADAL" clId="{EBFFA4AD-031B-4CFE-8AE6-CB84DEC6D16D}" dt="2023-12-01T16:13:10.280" v="1" actId="368"/>
+        <pc:chgData name="Christopher Berry" userId="468ae48a-5539-4b21-98ea-6081f4d86140" providerId="ADAL" clId="{CC0E8014-8954-444F-B203-A221B19F8BDD}" dt="2024-02-02T16:20:21.600" v="1" actId="368"/>
         <pc:sldMkLst>
           <pc:docMk/>
           <pc:sldMk cId="1337738250" sldId="257"/>
         </pc:sldMkLst>
       </pc:sldChg>
       <pc:sldChg chg="modNotes">
-        <pc:chgData name="Christopher Berry" userId="468ae48a-5539-4b21-98ea-6081f4d86140" providerId="ADAL" clId="{EBFFA4AD-031B-4CFE-8AE6-CB84DEC6D16D}" dt="2023-12-01T16:13:10.323" v="9" actId="368"/>
+        <pc:chgData name="Christopher Berry" userId="468ae48a-5539-4b21-98ea-6081f4d86140" providerId="ADAL" clId="{CC0E8014-8954-444F-B203-A221B19F8BDD}" dt="2024-02-02T16:20:21.618" v="9" actId="368"/>
         <pc:sldMkLst>
           <pc:docMk/>
           <pc:sldMk cId="1055923940" sldId="348"/>
         </pc:sldMkLst>
       </pc:sldChg>
       <pc:sldChg chg="modNotes">
-        <pc:chgData name="Christopher Berry" userId="468ae48a-5539-4b21-98ea-6081f4d86140" providerId="ADAL" clId="{EBFFA4AD-031B-4CFE-8AE6-CB84DEC6D16D}" dt="2023-12-01T16:13:10.311" v="7" actId="368"/>
+        <pc:chgData name="Christopher Berry" userId="468ae48a-5539-4b21-98ea-6081f4d86140" providerId="ADAL" clId="{CC0E8014-8954-444F-B203-A221B19F8BDD}" dt="2024-02-02T16:20:21.613" v="7" actId="368"/>
         <pc:sldMkLst>
           <pc:docMk/>
           <pc:sldMk cId="3489443553" sldId="350"/>
         </pc:sldMkLst>
       </pc:sldChg>
       <pc:sldChg chg="modNotes">
-        <pc:chgData name="Christopher Berry" userId="468ae48a-5539-4b21-98ea-6081f4d86140" providerId="ADAL" clId="{EBFFA4AD-031B-4CFE-8AE6-CB84DEC6D16D}" dt="2023-12-01T16:13:10.395" v="25" actId="368"/>
+        <pc:chgData name="Christopher Berry" userId="468ae48a-5539-4b21-98ea-6081f4d86140" providerId="ADAL" clId="{CC0E8014-8954-444F-B203-A221B19F8BDD}" dt="2024-02-02T16:20:21.647" v="25" actId="368"/>
         <pc:sldMkLst>
           <pc:docMk/>
           <pc:sldMk cId="2078444575" sldId="351"/>
         </pc:sldMkLst>
       </pc:sldChg>
       <pc:sldChg chg="modNotes">
-        <pc:chgData name="Christopher Berry" userId="468ae48a-5539-4b21-98ea-6081f4d86140" providerId="ADAL" clId="{EBFFA4AD-031B-4CFE-8AE6-CB84DEC6D16D}" dt="2023-12-01T16:13:10.360" v="17" actId="368"/>
+        <pc:chgData name="Christopher Berry" userId="468ae48a-5539-4b21-98ea-6081f4d86140" providerId="ADAL" clId="{CC0E8014-8954-444F-B203-A221B19F8BDD}" dt="2024-02-02T16:20:21.634" v="17" actId="368"/>
         <pc:sldMkLst>
           <pc:docMk/>
           <pc:sldMk cId="1117088601" sldId="353"/>
         </pc:sldMkLst>
       </pc:sldChg>
       <pc:sldChg chg="modNotes">
-        <pc:chgData name="Christopher Berry" userId="468ae48a-5539-4b21-98ea-6081f4d86140" providerId="ADAL" clId="{EBFFA4AD-031B-4CFE-8AE6-CB84DEC6D16D}" dt="2023-12-01T16:13:10.289" v="3" actId="368"/>
+        <pc:chgData name="Christopher Berry" userId="468ae48a-5539-4b21-98ea-6081f4d86140" providerId="ADAL" clId="{CC0E8014-8954-444F-B203-A221B19F8BDD}" dt="2024-02-02T16:20:21.605" v="3" actId="368"/>
         <pc:sldMkLst>
           <pc:docMk/>
           <pc:sldMk cId="4116815434" sldId="354"/>
         </pc:sldMkLst>
       </pc:sldChg>
       <pc:sldChg chg="modNotes">
-        <pc:chgData name="Christopher Berry" userId="468ae48a-5539-4b21-98ea-6081f4d86140" providerId="ADAL" clId="{EBFFA4AD-031B-4CFE-8AE6-CB84DEC6D16D}" dt="2023-12-01T16:13:10.343" v="13" actId="368"/>
+        <pc:chgData name="Christopher Berry" userId="468ae48a-5539-4b21-98ea-6081f4d86140" providerId="ADAL" clId="{CC0E8014-8954-444F-B203-A221B19F8BDD}" dt="2024-02-02T16:20:21.626" v="13" actId="368"/>
         <pc:sldMkLst>
           <pc:docMk/>
           <pc:sldMk cId="3492523608" sldId="355"/>
         </pc:sldMkLst>
       </pc:sldChg>
       <pc:sldChg chg="modNotes">
-        <pc:chgData name="Christopher Berry" userId="468ae48a-5539-4b21-98ea-6081f4d86140" providerId="ADAL" clId="{EBFFA4AD-031B-4CFE-8AE6-CB84DEC6D16D}" dt="2023-12-01T16:13:10.332" v="11" actId="368"/>
+        <pc:chgData name="Christopher Berry" userId="468ae48a-5539-4b21-98ea-6081f4d86140" providerId="ADAL" clId="{CC0E8014-8954-444F-B203-A221B19F8BDD}" dt="2024-02-02T16:20:21.622" v="11" actId="368"/>
         <pc:sldMkLst>
           <pc:docMk/>
           <pc:sldMk cId="4253518439" sldId="363"/>
         </pc:sldMkLst>
       </pc:sldChg>
       <pc:sldChg chg="modNotes">
-        <pc:chgData name="Christopher Berry" userId="468ae48a-5539-4b21-98ea-6081f4d86140" providerId="ADAL" clId="{EBFFA4AD-031B-4CFE-8AE6-CB84DEC6D16D}" dt="2023-12-01T16:13:10.302" v="5" actId="368"/>
+        <pc:chgData name="Christopher Berry" userId="468ae48a-5539-4b21-98ea-6081f4d86140" providerId="ADAL" clId="{CC0E8014-8954-444F-B203-A221B19F8BDD}" dt="2024-02-02T16:20:21.609" v="5" actId="368"/>
         <pc:sldMkLst>
           <pc:docMk/>
           <pc:sldMk cId="1133708175" sldId="365"/>
         </pc:sldMkLst>
       </pc:sldChg>
       <pc:sldChg chg="modNotes">
-        <pc:chgData name="Christopher Berry" userId="468ae48a-5539-4b21-98ea-6081f4d86140" providerId="ADAL" clId="{EBFFA4AD-031B-4CFE-8AE6-CB84DEC6D16D}" dt="2023-12-01T16:13:10.352" v="15" actId="368"/>
+        <pc:chgData name="Christopher Berry" userId="468ae48a-5539-4b21-98ea-6081f4d86140" providerId="ADAL" clId="{CC0E8014-8954-444F-B203-A221B19F8BDD}" dt="2024-02-02T16:20:21.629" v="15" actId="368"/>
         <pc:sldMkLst>
           <pc:docMk/>
           <pc:sldMk cId="2393506968" sldId="366"/>
         </pc:sldMkLst>
       </pc:sldChg>
       <pc:sldChg chg="modNotes">
-        <pc:chgData name="Christopher Berry" userId="468ae48a-5539-4b21-98ea-6081f4d86140" providerId="ADAL" clId="{EBFFA4AD-031B-4CFE-8AE6-CB84DEC6D16D}" dt="2023-12-01T16:13:10.369" v="19" actId="368"/>
+        <pc:chgData name="Christopher Berry" userId="468ae48a-5539-4b21-98ea-6081f4d86140" providerId="ADAL" clId="{CC0E8014-8954-444F-B203-A221B19F8BDD}" dt="2024-02-02T16:20:21.637" v="19" actId="368"/>
         <pc:sldMkLst>
           <pc:docMk/>
           <pc:sldMk cId="2911927704" sldId="367"/>
         </pc:sldMkLst>
       </pc:sldChg>
       <pc:sldChg chg="modNotes">
-        <pc:chgData name="Christopher Berry" userId="468ae48a-5539-4b21-98ea-6081f4d86140" providerId="ADAL" clId="{EBFFA4AD-031B-4CFE-8AE6-CB84DEC6D16D}" dt="2023-12-01T16:13:10.388" v="23" actId="368"/>
+        <pc:chgData name="Christopher Berry" userId="468ae48a-5539-4b21-98ea-6081f4d86140" providerId="ADAL" clId="{CC0E8014-8954-444F-B203-A221B19F8BDD}" dt="2024-02-02T16:20:21.643" v="23" actId="368"/>
         <pc:sldMkLst>
           <pc:docMk/>
           <pc:sldMk cId="2317624308" sldId="368"/>
         </pc:sldMkLst>
       </pc:sldChg>
       <pc:sldChg chg="modNotes">
-        <pc:chgData name="Christopher Berry" userId="468ae48a-5539-4b21-98ea-6081f4d86140" providerId="ADAL" clId="{EBFFA4AD-031B-4CFE-8AE6-CB84DEC6D16D}" dt="2023-12-01T16:13:10.427" v="33" actId="368"/>
+        <pc:chgData name="Christopher Berry" userId="468ae48a-5539-4b21-98ea-6081f4d86140" providerId="ADAL" clId="{CC0E8014-8954-444F-B203-A221B19F8BDD}" dt="2024-02-02T16:20:21.661" v="33" actId="368"/>
         <pc:sldMkLst>
           <pc:docMk/>
           <pc:sldMk cId="554658345" sldId="369"/>
         </pc:sldMkLst>
       </pc:sldChg>
       <pc:sldChg chg="modNotes">
-        <pc:chgData name="Christopher Berry" userId="468ae48a-5539-4b21-98ea-6081f4d86140" providerId="ADAL" clId="{EBFFA4AD-031B-4CFE-8AE6-CB84DEC6D16D}" dt="2023-12-01T16:13:10.403" v="27" actId="368"/>
+        <pc:chgData name="Christopher Berry" userId="468ae48a-5539-4b21-98ea-6081f4d86140" providerId="ADAL" clId="{CC0E8014-8954-444F-B203-A221B19F8BDD}" dt="2024-02-02T16:20:21.651" v="27" actId="368"/>
         <pc:sldMkLst>
           <pc:docMk/>
           <pc:sldMk cId="347747758" sldId="370"/>
         </pc:sldMkLst>
       </pc:sldChg>
       <pc:sldChg chg="modNotes">
-        <pc:chgData name="Christopher Berry" userId="468ae48a-5539-4b21-98ea-6081f4d86140" providerId="ADAL" clId="{EBFFA4AD-031B-4CFE-8AE6-CB84DEC6D16D}" dt="2023-12-01T16:13:10.411" v="29" actId="368"/>
+        <pc:chgData name="Christopher Berry" userId="468ae48a-5539-4b21-98ea-6081f4d86140" providerId="ADAL" clId="{CC0E8014-8954-444F-B203-A221B19F8BDD}" dt="2024-02-02T16:20:21.654" v="29" actId="368"/>
         <pc:sldMkLst>
           <pc:docMk/>
           <pc:sldMk cId="642452097" sldId="371"/>
         </pc:sldMkLst>
       </pc:sldChg>
       <pc:sldChg chg="modNotes">
-        <pc:chgData name="Christopher Berry" userId="468ae48a-5539-4b21-98ea-6081f4d86140" providerId="ADAL" clId="{EBFFA4AD-031B-4CFE-8AE6-CB84DEC6D16D}" dt="2023-12-01T16:13:10.419" v="31" actId="368"/>
+        <pc:chgData name="Christopher Berry" userId="468ae48a-5539-4b21-98ea-6081f4d86140" providerId="ADAL" clId="{CC0E8014-8954-444F-B203-A221B19F8BDD}" dt="2024-02-02T16:20:21.658" v="31" actId="368"/>
         <pc:sldMkLst>
           <pc:docMk/>
           <pc:sldMk cId="1933367484" sldId="372"/>
         </pc:sldMkLst>
       </pc:sldChg>
       <pc:sldChg chg="modNotes">
-        <pc:chgData name="Christopher Berry" userId="468ae48a-5539-4b21-98ea-6081f4d86140" providerId="ADAL" clId="{EBFFA4AD-031B-4CFE-8AE6-CB84DEC6D16D}" dt="2023-12-01T16:13:10.454" v="39" actId="368"/>
+        <pc:chgData name="Christopher Berry" userId="468ae48a-5539-4b21-98ea-6081f4d86140" providerId="ADAL" clId="{CC0E8014-8954-444F-B203-A221B19F8BDD}" dt="2024-02-02T16:20:21.673" v="41" actId="368"/>
         <pc:sldMkLst>
           <pc:docMk/>
           <pc:sldMk cId="2919478918" sldId="373"/>
         </pc:sldMkLst>
       </pc:sldChg>
       <pc:sldChg chg="modNotes">
-        <pc:chgData name="Christopher Berry" userId="468ae48a-5539-4b21-98ea-6081f4d86140" providerId="ADAL" clId="{EBFFA4AD-031B-4CFE-8AE6-CB84DEC6D16D}" dt="2023-12-01T16:13:10.378" v="21" actId="368"/>
+        <pc:chgData name="Christopher Berry" userId="468ae48a-5539-4b21-98ea-6081f4d86140" providerId="ADAL" clId="{CC0E8014-8954-444F-B203-A221B19F8BDD}" dt="2024-02-02T16:20:21.640" v="21" actId="368"/>
         <pc:sldMkLst>
           <pc:docMk/>
           <pc:sldMk cId="3321235260" sldId="374"/>
         </pc:sldMkLst>
       </pc:sldChg>
       <pc:sldChg chg="modNotes">
-        <pc:chgData name="Christopher Berry" userId="468ae48a-5539-4b21-98ea-6081f4d86140" providerId="ADAL" clId="{EBFFA4AD-031B-4CFE-8AE6-CB84DEC6D16D}" dt="2023-12-01T16:13:10.435" v="35" actId="368"/>
+        <pc:chgData name="Christopher Berry" userId="468ae48a-5539-4b21-98ea-6081f4d86140" providerId="ADAL" clId="{CC0E8014-8954-444F-B203-A221B19F8BDD}" dt="2024-02-02T16:20:21.664" v="35" actId="368"/>
         <pc:sldMkLst>
           <pc:docMk/>
           <pc:sldMk cId="3849195748" sldId="375"/>
         </pc:sldMkLst>
       </pc:sldChg>
       <pc:sldChg chg="modNotes">
-        <pc:chgData name="Christopher Berry" userId="468ae48a-5539-4b21-98ea-6081f4d86140" providerId="ADAL" clId="{EBFFA4AD-031B-4CFE-8AE6-CB84DEC6D16D}" dt="2023-12-01T16:13:10.444" v="37" actId="368"/>
+        <pc:chgData name="Christopher Berry" userId="468ae48a-5539-4b21-98ea-6081f4d86140" providerId="ADAL" clId="{CC0E8014-8954-444F-B203-A221B19F8BDD}" dt="2024-02-02T16:20:21.667" v="37" actId="368"/>
         <pc:sldMkLst>
           <pc:docMk/>
           <pc:sldMk cId="2628349082" sldId="376"/>
         </pc:sldMkLst>
+      </pc:sldChg>
+      <pc:sldChg chg="modNotes">
+        <pc:chgData name="Christopher Berry" userId="468ae48a-5539-4b21-98ea-6081f4d86140" providerId="ADAL" clId="{CC0E8014-8954-444F-B203-A221B19F8BDD}" dt="2024-02-02T16:20:21.670" v="39" actId="368"/>
+        <pc:sldMkLst>
+          <pc:docMk/>
+          <pc:sldMk cId="2992448905" sldId="377"/>
+        </pc:sldMkLst>
+      </pc:sldChg>
+    </pc:docChg>
+  </pc:docChgLst>
+  <pc:docChgLst>
+    <pc:chgData name="Christopher Berry" userId="468ae48a-5539-4b21-98ea-6081f4d86140" providerId="ADAL" clId="{4E449EBB-1385-43FC-9561-CF55D00F111E}"/>
+    <pc:docChg chg="custSel addSld modSld">
+      <pc:chgData name="Christopher Berry" userId="468ae48a-5539-4b21-98ea-6081f4d86140" providerId="ADAL" clId="{4E449EBB-1385-43FC-9561-CF55D00F111E}" dt="2024-02-02T16:18:44.082" v="490"/>
+      <pc:docMkLst>
+        <pc:docMk/>
+      </pc:docMkLst>
+      <pc:sldChg chg="addSp modSp">
+        <pc:chgData name="Christopher Berry" userId="468ae48a-5539-4b21-98ea-6081f4d86140" providerId="ADAL" clId="{4E449EBB-1385-43FC-9561-CF55D00F111E}" dt="2024-01-15T16:09:54.295" v="0"/>
+        <pc:sldMkLst>
+          <pc:docMk/>
+          <pc:sldMk cId="1337738250" sldId="257"/>
+        </pc:sldMkLst>
+        <pc:spChg chg="add mod">
+          <ac:chgData name="Christopher Berry" userId="468ae48a-5539-4b21-98ea-6081f4d86140" providerId="ADAL" clId="{4E449EBB-1385-43FC-9561-CF55D00F111E}" dt="2024-01-15T16:09:54.295" v="0"/>
+          <ac:spMkLst>
+            <pc:docMk/>
+            <pc:sldMk cId="1337738250" sldId="257"/>
+            <ac:spMk id="5" creationId="{2E59628A-AB11-7CA0-5D2C-C1D5B5FCE833}"/>
+          </ac:spMkLst>
+        </pc:spChg>
+        <pc:spChg chg="add mod">
+          <ac:chgData name="Christopher Berry" userId="468ae48a-5539-4b21-98ea-6081f4d86140" providerId="ADAL" clId="{4E449EBB-1385-43FC-9561-CF55D00F111E}" dt="2024-01-15T16:09:54.295" v="0"/>
+          <ac:spMkLst>
+            <pc:docMk/>
+            <pc:sldMk cId="1337738250" sldId="257"/>
+            <ac:spMk id="6" creationId="{7FB989AA-C37E-A009-CFC4-D2DF8C622EEB}"/>
+          </ac:spMkLst>
+        </pc:spChg>
+        <pc:picChg chg="add mod">
+          <ac:chgData name="Christopher Berry" userId="468ae48a-5539-4b21-98ea-6081f4d86140" providerId="ADAL" clId="{4E449EBB-1385-43FC-9561-CF55D00F111E}" dt="2024-01-15T16:09:54.295" v="0"/>
+          <ac:picMkLst>
+            <pc:docMk/>
+            <pc:sldMk cId="1337738250" sldId="257"/>
+            <ac:picMk id="7" creationId="{CDC96AF4-2314-1FFF-3262-BD8934A35280}"/>
+          </ac:picMkLst>
+        </pc:picChg>
+        <pc:picChg chg="add mod">
+          <ac:chgData name="Christopher Berry" userId="468ae48a-5539-4b21-98ea-6081f4d86140" providerId="ADAL" clId="{4E449EBB-1385-43FC-9561-CF55D00F111E}" dt="2024-01-15T16:09:54.295" v="0"/>
+          <ac:picMkLst>
+            <pc:docMk/>
+            <pc:sldMk cId="1337738250" sldId="257"/>
+            <ac:picMk id="8" creationId="{AD7FF3B2-D10B-FCD8-3108-27AE5B074ADB}"/>
+          </ac:picMkLst>
+        </pc:picChg>
+      </pc:sldChg>
+      <pc:sldChg chg="modSp">
+        <pc:chgData name="Christopher Berry" userId="468ae48a-5539-4b21-98ea-6081f4d86140" providerId="ADAL" clId="{4E449EBB-1385-43FC-9561-CF55D00F111E}" dt="2024-02-02T15:42:21.999" v="28" actId="20577"/>
+        <pc:sldMkLst>
+          <pc:docMk/>
+          <pc:sldMk cId="2078444575" sldId="351"/>
+        </pc:sldMkLst>
+        <pc:spChg chg="mod">
+          <ac:chgData name="Christopher Berry" userId="468ae48a-5539-4b21-98ea-6081f4d86140" providerId="ADAL" clId="{4E449EBB-1385-43FC-9561-CF55D00F111E}" dt="2024-02-02T15:42:21.999" v="28" actId="20577"/>
+          <ac:spMkLst>
+            <pc:docMk/>
+            <pc:sldMk cId="2078444575" sldId="351"/>
+            <ac:spMk id="3" creationId="{00000000-0000-0000-0000-000000000000}"/>
+          </ac:spMkLst>
+        </pc:spChg>
+      </pc:sldChg>
+      <pc:sldChg chg="modSp modNotesTx">
+        <pc:chgData name="Christopher Berry" userId="468ae48a-5539-4b21-98ea-6081f4d86140" providerId="ADAL" clId="{4E449EBB-1385-43FC-9561-CF55D00F111E}" dt="2024-02-02T16:01:07.878" v="483" actId="20577"/>
+        <pc:sldMkLst>
+          <pc:docMk/>
+          <pc:sldMk cId="4116815434" sldId="354"/>
+        </pc:sldMkLst>
+        <pc:spChg chg="mod">
+          <ac:chgData name="Christopher Berry" userId="468ae48a-5539-4b21-98ea-6081f4d86140" providerId="ADAL" clId="{4E449EBB-1385-43FC-9561-CF55D00F111E}" dt="2024-02-02T15:31:48.957" v="18" actId="20577"/>
+          <ac:spMkLst>
+            <pc:docMk/>
+            <pc:sldMk cId="4116815434" sldId="354"/>
+            <ac:spMk id="3" creationId="{00000000-0000-0000-0000-000000000000}"/>
+          </ac:spMkLst>
+        </pc:spChg>
+      </pc:sldChg>
+      <pc:sldChg chg="modNotesTx">
+        <pc:chgData name="Christopher Berry" userId="468ae48a-5539-4b21-98ea-6081f4d86140" providerId="ADAL" clId="{4E449EBB-1385-43FC-9561-CF55D00F111E}" dt="2024-02-02T16:13:07.233" v="488" actId="313"/>
+        <pc:sldMkLst>
+          <pc:docMk/>
+          <pc:sldMk cId="3492523608" sldId="355"/>
+        </pc:sldMkLst>
+      </pc:sldChg>
+      <pc:sldChg chg="modSp mod modAnim">
+        <pc:chgData name="Christopher Berry" userId="468ae48a-5539-4b21-98ea-6081f4d86140" providerId="ADAL" clId="{4E449EBB-1385-43FC-9561-CF55D00F111E}" dt="2024-02-02T16:18:44.082" v="490"/>
+        <pc:sldMkLst>
+          <pc:docMk/>
+          <pc:sldMk cId="2175137303" sldId="361"/>
+        </pc:sldMkLst>
+        <pc:spChg chg="mod">
+          <ac:chgData name="Christopher Berry" userId="468ae48a-5539-4b21-98ea-6081f4d86140" providerId="ADAL" clId="{4E449EBB-1385-43FC-9561-CF55D00F111E}" dt="2024-02-02T16:00:18.947" v="374" actId="1076"/>
+          <ac:spMkLst>
+            <pc:docMk/>
+            <pc:sldMk cId="2175137303" sldId="361"/>
+            <ac:spMk id="2" creationId="{00000000-0000-0000-0000-000000000000}"/>
+          </ac:spMkLst>
+        </pc:spChg>
+        <pc:spChg chg="mod">
+          <ac:chgData name="Christopher Berry" userId="468ae48a-5539-4b21-98ea-6081f4d86140" providerId="ADAL" clId="{4E449EBB-1385-43FC-9561-CF55D00F111E}" dt="2024-02-02T16:00:18.947" v="374" actId="1076"/>
+          <ac:spMkLst>
+            <pc:docMk/>
+            <pc:sldMk cId="2175137303" sldId="361"/>
+            <ac:spMk id="3" creationId="{00000000-0000-0000-0000-000000000000}"/>
+          </ac:spMkLst>
+        </pc:spChg>
+        <pc:spChg chg="mod">
+          <ac:chgData name="Christopher Berry" userId="468ae48a-5539-4b21-98ea-6081f4d86140" providerId="ADAL" clId="{4E449EBB-1385-43FC-9561-CF55D00F111E}" dt="2024-02-02T16:00:18.947" v="374" actId="1076"/>
+          <ac:spMkLst>
+            <pc:docMk/>
+            <pc:sldMk cId="2175137303" sldId="361"/>
+            <ac:spMk id="6" creationId="{00000000-0000-0000-0000-000000000000}"/>
+          </ac:spMkLst>
+        </pc:spChg>
+        <pc:spChg chg="mod">
+          <ac:chgData name="Christopher Berry" userId="468ae48a-5539-4b21-98ea-6081f4d86140" providerId="ADAL" clId="{4E449EBB-1385-43FC-9561-CF55D00F111E}" dt="2024-02-02T16:00:31.409" v="426" actId="20577"/>
+          <ac:spMkLst>
+            <pc:docMk/>
+            <pc:sldMk cId="2175137303" sldId="361"/>
+            <ac:spMk id="7" creationId="{936A809B-F66A-45CD-CBA8-DB8BBAAD5B2C}"/>
+          </ac:spMkLst>
+        </pc:spChg>
+      </pc:sldChg>
+      <pc:sldChg chg="modSp mod">
+        <pc:chgData name="Christopher Berry" userId="468ae48a-5539-4b21-98ea-6081f4d86140" providerId="ADAL" clId="{4E449EBB-1385-43FC-9561-CF55D00F111E}" dt="2024-02-02T15:25:20.669" v="8" actId="1038"/>
+        <pc:sldMkLst>
+          <pc:docMk/>
+          <pc:sldMk cId="4253518439" sldId="363"/>
+        </pc:sldMkLst>
+        <pc:spChg chg="mod">
+          <ac:chgData name="Christopher Berry" userId="468ae48a-5539-4b21-98ea-6081f4d86140" providerId="ADAL" clId="{4E449EBB-1385-43FC-9561-CF55D00F111E}" dt="2024-02-02T15:25:20.669" v="8" actId="1038"/>
+          <ac:spMkLst>
+            <pc:docMk/>
+            <pc:sldMk cId="4253518439" sldId="363"/>
+            <ac:spMk id="7" creationId="{00000000-0000-0000-0000-000000000000}"/>
+          </ac:spMkLst>
+        </pc:spChg>
+      </pc:sldChg>
+      <pc:sldChg chg="modNotesTx">
+        <pc:chgData name="Christopher Berry" userId="468ae48a-5539-4b21-98ea-6081f4d86140" providerId="ADAL" clId="{4E449EBB-1385-43FC-9561-CF55D00F111E}" dt="2024-02-02T16:05:16.816" v="487" actId="20577"/>
+        <pc:sldMkLst>
+          <pc:docMk/>
+          <pc:sldMk cId="1133708175" sldId="365"/>
+        </pc:sldMkLst>
+      </pc:sldChg>
+      <pc:sldChg chg="modNotesTx">
+        <pc:chgData name="Christopher Berry" userId="468ae48a-5539-4b21-98ea-6081f4d86140" providerId="ADAL" clId="{4E449EBB-1385-43FC-9561-CF55D00F111E}" dt="2024-02-02T16:15:26.005" v="489" actId="20577"/>
+        <pc:sldMkLst>
+          <pc:docMk/>
+          <pc:sldMk cId="2317624308" sldId="368"/>
+        </pc:sldMkLst>
+      </pc:sldChg>
+      <pc:sldChg chg="addSp delSp modSp add mod delAnim modAnim modNotesTx">
+        <pc:chgData name="Christopher Berry" userId="468ae48a-5539-4b21-98ea-6081f4d86140" providerId="ADAL" clId="{4E449EBB-1385-43FC-9561-CF55D00F111E}" dt="2024-02-02T15:59:51.679" v="373"/>
+        <pc:sldMkLst>
+          <pc:docMk/>
+          <pc:sldMk cId="2992448905" sldId="377"/>
+        </pc:sldMkLst>
+        <pc:spChg chg="add mod">
+          <ac:chgData name="Christopher Berry" userId="468ae48a-5539-4b21-98ea-6081f4d86140" providerId="ADAL" clId="{4E449EBB-1385-43FC-9561-CF55D00F111E}" dt="2024-02-02T15:56:45.340" v="165" actId="14100"/>
+          <ac:spMkLst>
+            <pc:docMk/>
+            <pc:sldMk cId="2992448905" sldId="377"/>
+            <ac:spMk id="2" creationId="{3044B594-9953-3F19-8188-E196241187E1}"/>
+          </ac:spMkLst>
+        </pc:spChg>
+        <pc:spChg chg="mod">
+          <ac:chgData name="Christopher Berry" userId="468ae48a-5539-4b21-98ea-6081f4d86140" providerId="ADAL" clId="{4E449EBB-1385-43FC-9561-CF55D00F111E}" dt="2024-02-02T15:55:54.039" v="88" actId="1076"/>
+          <ac:spMkLst>
+            <pc:docMk/>
+            <pc:sldMk cId="2992448905" sldId="377"/>
+            <ac:spMk id="5" creationId="{00000000-0000-0000-0000-000000000000}"/>
+          </ac:spMkLst>
+        </pc:spChg>
+        <pc:spChg chg="mod">
+          <ac:chgData name="Christopher Berry" userId="468ae48a-5539-4b21-98ea-6081f4d86140" providerId="ADAL" clId="{4E449EBB-1385-43FC-9561-CF55D00F111E}" dt="2024-02-02T15:57:15.818" v="217" actId="1076"/>
+          <ac:spMkLst>
+            <pc:docMk/>
+            <pc:sldMk cId="2992448905" sldId="377"/>
+            <ac:spMk id="6" creationId="{00000000-0000-0000-0000-000000000000}"/>
+          </ac:spMkLst>
+        </pc:spChg>
+        <pc:spChg chg="del">
+          <ac:chgData name="Christopher Berry" userId="468ae48a-5539-4b21-98ea-6081f4d86140" providerId="ADAL" clId="{4E449EBB-1385-43FC-9561-CF55D00F111E}" dt="2024-02-02T15:55:45.136" v="86" actId="478"/>
+          <ac:spMkLst>
+            <pc:docMk/>
+            <pc:sldMk cId="2992448905" sldId="377"/>
+            <ac:spMk id="7" creationId="{00000000-0000-0000-0000-000000000000}"/>
+          </ac:spMkLst>
+        </pc:spChg>
+        <pc:spChg chg="add mod">
+          <ac:chgData name="Christopher Berry" userId="468ae48a-5539-4b21-98ea-6081f4d86140" providerId="ADAL" clId="{4E449EBB-1385-43FC-9561-CF55D00F111E}" dt="2024-02-02T15:59:41.662" v="372" actId="207"/>
+          <ac:spMkLst>
+            <pc:docMk/>
+            <pc:sldMk cId="2992448905" sldId="377"/>
+            <ac:spMk id="12" creationId="{08245159-F96C-A38B-BB90-656D1AA05B83}"/>
+          </ac:spMkLst>
+        </pc:spChg>
+        <pc:cxnChg chg="add mod">
+          <ac:chgData name="Christopher Berry" userId="468ae48a-5539-4b21-98ea-6081f4d86140" providerId="ADAL" clId="{4E449EBB-1385-43FC-9561-CF55D00F111E}" dt="2024-02-02T15:57:39.195" v="225" actId="14100"/>
+          <ac:cxnSpMkLst>
+            <pc:docMk/>
+            <pc:sldMk cId="2992448905" sldId="377"/>
+            <ac:cxnSpMk id="8" creationId="{C341B3FA-8940-7923-3EFF-55D1AA83017A}"/>
+          </ac:cxnSpMkLst>
+        </pc:cxnChg>
       </pc:sldChg>
     </pc:docChg>
   </pc:docChgLst>
@@ -858,7 +1026,7 @@
           <a:p>
             <a:fld id="{39F2F66B-899D-484E-9C99-E1DBE23F9DE9}" type="datetimeFigureOut">
               <a:rPr lang="en-GB" smtClean="0"/>
-              <a:t>15/01/2024</a:t>
+              <a:t>02/02/2024</a:t>
             </a:fld>
             <a:endParaRPr lang="en-GB"/>
           </a:p>
@@ -1024,7 +1192,7 @@
             <a:fld id="{2C09A945-60CF-41CC-BF14-DA645D9ABE0F}" type="datetimeFigureOut">
               <a:rPr lang="en-GB" smtClean="0"/>
               <a:pPr/>
-              <a:t>15/01/2024</a:t>
+              <a:t>02/02/2024</a:t>
             </a:fld>
             <a:endParaRPr lang="en-GB"/>
           </a:p>
@@ -2411,7 +2579,7 @@
     </p:spTree>
     <p:extLst>
       <p:ext uri="{BB962C8B-B14F-4D97-AF65-F5344CB8AC3E}">
-        <p14:creationId xmlns:p14="http://schemas.microsoft.com/office/powerpoint/2010/main" val="3871306415"/>
+        <p14:creationId xmlns:p14="http://schemas.microsoft.com/office/powerpoint/2010/main" val="1145396207"/>
       </p:ext>
     </p:extLst>
   </p:cSld>
@@ -2448,12 +2616,7 @@
             <p:ph type="sldImg"/>
           </p:nvPr>
         </p:nvSpPr>
-        <p:spPr>
-          <a:xfrm>
-            <a:off x="114300" y="746125"/>
-            <a:ext cx="6629400" cy="3729038"/>
-          </a:xfrm>
-        </p:spPr>
+        <p:spPr/>
       </p:sp>
       <p:sp>
         <p:nvSpPr>
@@ -2491,7 +2654,97 @@
           <a:p>
             <a:fld id="{46EF6F6D-23AC-402A-8000-0A495137CF31}" type="slidenum">
               <a:rPr lang="en-GB" smtClean="0"/>
+              <a:pPr/>
               <a:t>21</a:t>
+            </a:fld>
+            <a:endParaRPr lang="en-GB"/>
+          </a:p>
+        </p:txBody>
+      </p:sp>
+    </p:spTree>
+    <p:extLst>
+      <p:ext uri="{BB962C8B-B14F-4D97-AF65-F5344CB8AC3E}">
+        <p14:creationId xmlns:p14="http://schemas.microsoft.com/office/powerpoint/2010/main" val="3871306415"/>
+      </p:ext>
+    </p:extLst>
+  </p:cSld>
+  <p:clrMapOvr>
+    <a:masterClrMapping/>
+  </p:clrMapOvr>
+</p:notes>
+</file>
+
+<file path=ppt/notesSlides/notesSlide22.xml><?xml version="1.0" encoding="utf-8"?>
+<p:notes xmlns:a="http://schemas.openxmlformats.org/drawingml/2006/main" xmlns:r="http://schemas.openxmlformats.org/officeDocument/2006/relationships" xmlns:p="http://schemas.openxmlformats.org/presentationml/2006/main">
+  <p:cSld>
+    <p:spTree>
+      <p:nvGrpSpPr>
+        <p:cNvPr id="1" name=""/>
+        <p:cNvGrpSpPr/>
+        <p:nvPr/>
+      </p:nvGrpSpPr>
+      <p:grpSpPr>
+        <a:xfrm>
+          <a:off x="0" y="0"/>
+          <a:ext cx="0" cy="0"/>
+          <a:chOff x="0" y="0"/>
+          <a:chExt cx="0" cy="0"/>
+        </a:xfrm>
+      </p:grpSpPr>
+      <p:sp>
+        <p:nvSpPr>
+          <p:cNvPr id="2" name="Slide Image Placeholder 1"/>
+          <p:cNvSpPr>
+            <a:spLocks noGrp="1" noRot="1" noChangeAspect="1"/>
+          </p:cNvSpPr>
+          <p:nvPr>
+            <p:ph type="sldImg"/>
+          </p:nvPr>
+        </p:nvSpPr>
+        <p:spPr>
+          <a:xfrm>
+            <a:off x="114300" y="746125"/>
+            <a:ext cx="6629400" cy="3729038"/>
+          </a:xfrm>
+        </p:spPr>
+      </p:sp>
+      <p:sp>
+        <p:nvSpPr>
+          <p:cNvPr id="3" name="Notes Placeholder 2"/>
+          <p:cNvSpPr>
+            <a:spLocks noGrp="1"/>
+          </p:cNvSpPr>
+          <p:nvPr>
+            <p:ph type="body" idx="1"/>
+          </p:nvPr>
+        </p:nvSpPr>
+        <p:spPr/>
+        <p:txBody>
+          <a:bodyPr/>
+          <a:lstStyle/>
+          <a:p>
+            <a:endParaRPr lang="en-GB" dirty="0"/>
+          </a:p>
+        </p:txBody>
+      </p:sp>
+      <p:sp>
+        <p:nvSpPr>
+          <p:cNvPr id="4" name="Slide Number Placeholder 3"/>
+          <p:cNvSpPr>
+            <a:spLocks noGrp="1"/>
+          </p:cNvSpPr>
+          <p:nvPr>
+            <p:ph type="sldNum" sz="quarter" idx="10"/>
+          </p:nvPr>
+        </p:nvSpPr>
+        <p:spPr/>
+        <p:txBody>
+          <a:bodyPr/>
+          <a:lstStyle/>
+          <a:p>
+            <a:fld id="{46EF6F6D-23AC-402A-8000-0A495137CF31}" type="slidenum">
+              <a:rPr lang="en-GB" smtClean="0"/>
+              <a:t>22</a:t>
             </a:fld>
             <a:endParaRPr lang="en-GB" dirty="0"/>
           </a:p>
@@ -3284,7 +3537,7 @@
           <a:p>
             <a:fld id="{EAF04C24-707B-4065-BD2A-174913E33CAD}" type="datetime1">
               <a:rPr lang="en-US" smtClean="0"/>
-              <a:t>1/15/2024</a:t>
+              <a:t>2/2/2024</a:t>
             </a:fld>
             <a:endParaRPr lang="en-US"/>
           </a:p>
@@ -3448,7 +3701,7 @@
           <a:p>
             <a:fld id="{FD9D9861-8C1D-4C98-92B3-BCC4B0D09560}" type="datetime1">
               <a:rPr lang="en-US" smtClean="0"/>
-              <a:t>1/15/2024</a:t>
+              <a:t>2/2/2024</a:t>
             </a:fld>
             <a:endParaRPr lang="en-US"/>
           </a:p>
@@ -3622,7 +3875,7 @@
           <a:p>
             <a:fld id="{AB0C0274-5C94-4B76-84EC-3A88467CFC15}" type="datetime1">
               <a:rPr lang="en-US" smtClean="0"/>
-              <a:t>1/15/2024</a:t>
+              <a:t>2/2/2024</a:t>
             </a:fld>
             <a:endParaRPr lang="en-US"/>
           </a:p>
@@ -3786,7 +4039,7 @@
           <a:p>
             <a:fld id="{14916CE5-BD76-41AC-9004-69129A8710E3}" type="datetime1">
               <a:rPr lang="en-US" smtClean="0"/>
-              <a:t>1/15/2024</a:t>
+              <a:t>2/2/2024</a:t>
             </a:fld>
             <a:endParaRPr lang="en-US"/>
           </a:p>
@@ -4027,7 +4280,7 @@
           <a:p>
             <a:fld id="{33B45A41-6E3C-4260-9C8A-BEADCFEA1C78}" type="datetime1">
               <a:rPr lang="en-US" smtClean="0"/>
-              <a:t>1/15/2024</a:t>
+              <a:t>2/2/2024</a:t>
             </a:fld>
             <a:endParaRPr lang="en-US"/>
           </a:p>
@@ -4308,7 +4561,7 @@
           <a:p>
             <a:fld id="{E9CFCFAF-687E-487C-ACB5-1179BE9033F5}" type="datetime1">
               <a:rPr lang="en-US" smtClean="0"/>
-              <a:t>1/15/2024</a:t>
+              <a:t>2/2/2024</a:t>
             </a:fld>
             <a:endParaRPr lang="en-US"/>
           </a:p>
@@ -4723,7 +4976,7 @@
           <a:p>
             <a:fld id="{DAF04FE4-8347-4CCD-A017-CDAFD39754C9}" type="datetime1">
               <a:rPr lang="en-US" smtClean="0"/>
-              <a:t>1/15/2024</a:t>
+              <a:t>2/2/2024</a:t>
             </a:fld>
             <a:endParaRPr lang="en-US"/>
           </a:p>
@@ -4836,7 +5089,7 @@
           <a:p>
             <a:fld id="{D1C64846-2780-4A47-8ECD-759CB4E9B7AA}" type="datetime1">
               <a:rPr lang="en-US" smtClean="0"/>
-              <a:t>1/15/2024</a:t>
+              <a:t>2/2/2024</a:t>
             </a:fld>
             <a:endParaRPr lang="en-US"/>
           </a:p>
@@ -4927,7 +5180,7 @@
           <a:p>
             <a:fld id="{2E685AD9-6FC3-4F6B-B3FB-7ACE342435AF}" type="datetime1">
               <a:rPr lang="en-US" smtClean="0"/>
-              <a:t>1/15/2024</a:t>
+              <a:t>2/2/2024</a:t>
             </a:fld>
             <a:endParaRPr lang="en-US"/>
           </a:p>
@@ -5198,7 +5451,7 @@
           <a:p>
             <a:fld id="{AF5C5D38-31D8-437D-88E3-6DEA8F6BCB57}" type="datetime1">
               <a:rPr lang="en-US" smtClean="0"/>
-              <a:t>1/15/2024</a:t>
+              <a:t>2/2/2024</a:t>
             </a:fld>
             <a:endParaRPr lang="en-US"/>
           </a:p>
@@ -5446,7 +5699,7 @@
           <a:p>
             <a:fld id="{1F837F4D-7011-48DC-831B-EC5FC5249B8E}" type="datetime1">
               <a:rPr lang="en-US" smtClean="0"/>
-              <a:t>1/15/2024</a:t>
+              <a:t>2/2/2024</a:t>
             </a:fld>
             <a:endParaRPr lang="en-US"/>
           </a:p>
@@ -5658,7 +5911,7 @@
           <a:p>
             <a:fld id="{24F82163-AB2B-4C5F-B49C-399ECE4A4D9E}" type="datetime1">
               <a:rPr lang="en-US" smtClean="0"/>
-              <a:t>1/15/2024</a:t>
+              <a:t>2/2/2024</a:t>
             </a:fld>
             <a:endParaRPr lang="en-US"/>
           </a:p>
@@ -6213,7 +6466,7 @@
           <p:cNvPr id="5" name="Content Placeholder 2">
             <a:extLst>
               <a:ext uri="{FF2B5EF4-FFF2-40B4-BE49-F238E27FC236}">
-                <a16:creationId xmlns:a16="http://schemas.microsoft.com/office/drawing/2014/main" id="{687A3C02-D433-BFA6-602E-FE5C31CEEEC2}"/>
+                <a16:creationId xmlns:a16="http://schemas.microsoft.com/office/drawing/2014/main" id="{2E59628A-AB11-7CA0-5D2C-C1D5B5FCE833}"/>
               </a:ext>
             </a:extLst>
           </p:cNvPr>
@@ -6645,7 +6898,7 @@
           <p:cNvPr id="6" name="Rectangle 5">
             <a:extLst>
               <a:ext uri="{FF2B5EF4-FFF2-40B4-BE49-F238E27FC236}">
-                <a16:creationId xmlns:a16="http://schemas.microsoft.com/office/drawing/2014/main" id="{12A2C901-2C99-5E8D-04B1-DDE89E9AA279}"/>
+                <a16:creationId xmlns:a16="http://schemas.microsoft.com/office/drawing/2014/main" id="{7FB989AA-C37E-A009-CFC4-D2DF8C622EEB}"/>
               </a:ext>
             </a:extLst>
           </p:cNvPr>
@@ -6893,7 +7146,7 @@
           <p:cNvPr id="7" name="Picture 6">
             <a:extLst>
               <a:ext uri="{FF2B5EF4-FFF2-40B4-BE49-F238E27FC236}">
-                <a16:creationId xmlns:a16="http://schemas.microsoft.com/office/drawing/2014/main" id="{F2583B5F-A953-2BF4-BC55-4EA665B9581A}"/>
+                <a16:creationId xmlns:a16="http://schemas.microsoft.com/office/drawing/2014/main" id="{CDC96AF4-2314-1FFF-3262-BD8934A35280}"/>
               </a:ext>
             </a:extLst>
           </p:cNvPr>
@@ -6928,7 +7181,7 @@
           <p:cNvPr id="8" name="Picture 7">
             <a:extLst>
               <a:ext uri="{FF2B5EF4-FFF2-40B4-BE49-F238E27FC236}">
-                <a16:creationId xmlns:a16="http://schemas.microsoft.com/office/drawing/2014/main" id="{F66180E1-866F-7677-EB8F-1AC2E105C4AC}"/>
+                <a16:creationId xmlns:a16="http://schemas.microsoft.com/office/drawing/2014/main" id="{AD7FF3B2-D10B-FCD8-3108-27AE5B074ADB}"/>
               </a:ext>
             </a:extLst>
           </p:cNvPr>
@@ -7822,7 +8075,7 @@
                   <a:schemeClr val="tx2"/>
                 </a:solidFill>
               </a:rPr>
-              <a:t>Two independent variables</a:t>
+              <a:t>Two independent variables (factors)</a:t>
             </a:r>
             <a:r>
               <a:rPr lang="en-GB" dirty="0"/>
@@ -12356,7 +12609,7 @@
                   <a:schemeClr val="tx2"/>
                 </a:solidFill>
               </a:rPr>
-              <a:t>categorical</a:t>
+              <a:t>categorical (nominal)</a:t>
             </a:r>
           </a:p>
           <a:p>
@@ -12836,6 +13089,1470 @@
       </p:grpSpPr>
       <p:sp>
         <p:nvSpPr>
+          <p:cNvPr id="4" name="Slide Number Placeholder 3"/>
+          <p:cNvSpPr>
+            <a:spLocks noGrp="1"/>
+          </p:cNvSpPr>
+          <p:nvPr>
+            <p:ph type="sldNum" sz="quarter" idx="12"/>
+          </p:nvPr>
+        </p:nvSpPr>
+        <p:spPr>
+          <a:xfrm>
+            <a:off x="8585364" y="6296947"/>
+            <a:ext cx="2844800" cy="365125"/>
+          </a:xfrm>
+        </p:spPr>
+        <p:txBody>
+          <a:bodyPr/>
+          <a:lstStyle/>
+          <a:p>
+            <a:fld id="{B6F15528-21DE-4FAA-801E-634DDDAF4B2B}" type="slidenum">
+              <a:rPr lang="en-US" sz="100" smtClean="0">
+                <a:solidFill>
+                  <a:schemeClr val="tx2"/>
+                </a:solidFill>
+              </a:rPr>
+              <a:pPr/>
+              <a:t>20</a:t>
+            </a:fld>
+            <a:endParaRPr lang="en-US" sz="100">
+              <a:solidFill>
+                <a:schemeClr val="tx2"/>
+              </a:solidFill>
+            </a:endParaRPr>
+          </a:p>
+        </p:txBody>
+      </p:sp>
+      <p:sp>
+        <p:nvSpPr>
+          <p:cNvPr id="5" name="Rectangle 1"/>
+          <p:cNvSpPr>
+            <a:spLocks noGrp="1" noChangeArrowheads="1"/>
+          </p:cNvSpPr>
+          <p:nvPr>
+            <p:ph type="title"/>
+          </p:nvPr>
+        </p:nvSpPr>
+        <p:spPr bwMode="auto">
+          <a:xfrm>
+            <a:off x="551410" y="1470421"/>
+            <a:ext cx="11089178" cy="307777"/>
+          </a:xfrm>
+          <a:prstGeom prst="rect">
+            <a:avLst/>
+          </a:prstGeom>
+          <a:solidFill>
+            <a:srgbClr val="F7F7F7"/>
+          </a:solidFill>
+          <a:ln>
+            <a:noFill/>
+          </a:ln>
+          <a:effectLst/>
+          <a:extLst>
+            <a:ext uri="{91240B29-F687-4F45-9708-019B960494DF}">
+              <a14:hiddenLine xmlns:a14="http://schemas.microsoft.com/office/drawing/2010/main" w="9525">
+                <a:solidFill>
+                  <a:schemeClr val="tx1"/>
+                </a:solidFill>
+                <a:miter lim="800000"/>
+                <a:headEnd/>
+                <a:tailEnd/>
+              </a14:hiddenLine>
+            </a:ext>
+            <a:ext uri="{AF507438-7753-43E0-B8FC-AC1667EBCBE1}">
+              <a14:hiddenEffects xmlns:a14="http://schemas.microsoft.com/office/drawing/2010/main">
+                <a:effectLst>
+                  <a:outerShdw dist="35921" dir="2700000" algn="ctr" rotWithShape="0">
+                    <a:schemeClr val="bg2"/>
+                  </a:outerShdw>
+                </a:effectLst>
+              </a14:hiddenEffects>
+            </a:ext>
+          </a:extLst>
+        </p:spPr>
+        <p:txBody>
+          <a:bodyPr vert="horz" wrap="square" lIns="0" tIns="0" rIns="0" bIns="0" numCol="1" anchor="ctr" anchorCtr="0" compatLnSpc="1">
+            <a:prstTxWarp prst="textNoShape">
+              <a:avLst/>
+            </a:prstTxWarp>
+            <a:spAutoFit/>
+          </a:bodyPr>
+          <a:lstStyle/>
+          <a:p>
+            <a:pPr marL="0" marR="0" lvl="0" indent="0" algn="l" defTabSz="914400" rtl="0" eaLnBrk="0" fontAlgn="base" latinLnBrk="0" hangingPunct="0">
+              <a:lnSpc>
+                <a:spcPct val="100000"/>
+              </a:lnSpc>
+              <a:spcBef>
+                <a:spcPct val="0"/>
+              </a:spcBef>
+              <a:spcAft>
+                <a:spcPct val="0"/>
+              </a:spcAft>
+              <a:buClrTx/>
+              <a:buSzTx/>
+              <a:buFontTx/>
+              <a:buNone/>
+              <a:tabLst/>
+            </a:pPr>
+            <a:r>
+              <a:rPr lang="en-US" altLang="en-US" sz="2000" b="0" dirty="0" err="1">
+                <a:solidFill>
+                  <a:srgbClr val="06287E"/>
+                </a:solidFill>
+                <a:latin typeface="Consolas" panose="020B0609020204030204" pitchFamily="49" charset="0"/>
+              </a:rPr>
+              <a:t>anova</a:t>
+            </a:r>
+            <a:r>
+              <a:rPr kumimoji="0" lang="en-US" altLang="en-US" sz="2000" b="0" i="0" u="none" strike="noStrike" cap="none" normalizeH="0" baseline="0" dirty="0" err="1">
+                <a:ln>
+                  <a:noFill/>
+                </a:ln>
+                <a:solidFill>
+                  <a:srgbClr val="06287E"/>
+                </a:solidFill>
+                <a:effectLst/>
+                <a:latin typeface="Consolas" panose="020B0609020204030204" pitchFamily="49" charset="0"/>
+              </a:rPr>
+              <a:t>BF</a:t>
+            </a:r>
+            <a:r>
+              <a:rPr kumimoji="0" lang="en-US" altLang="en-US" sz="2000" b="0" i="0" u="none" strike="noStrike" cap="none" normalizeH="0" baseline="0" dirty="0">
+                <a:ln>
+                  <a:noFill/>
+                </a:ln>
+                <a:solidFill>
+                  <a:srgbClr val="333333"/>
+                </a:solidFill>
+                <a:effectLst/>
+                <a:latin typeface="Consolas" panose="020B0609020204030204" pitchFamily="49" charset="0"/>
+              </a:rPr>
+              <a:t>(distress </a:t>
+            </a:r>
+            <a:r>
+              <a:rPr kumimoji="0" lang="en-US" altLang="en-US" sz="2000" b="0" i="0" u="none" strike="noStrike" cap="none" normalizeH="0" baseline="0" dirty="0">
+                <a:ln>
+                  <a:noFill/>
+                </a:ln>
+                <a:solidFill>
+                  <a:srgbClr val="4070A0"/>
+                </a:solidFill>
+                <a:effectLst/>
+                <a:latin typeface="Consolas" panose="020B0609020204030204" pitchFamily="49" charset="0"/>
+              </a:rPr>
+              <a:t>~</a:t>
+            </a:r>
+            <a:r>
+              <a:rPr kumimoji="0" lang="en-US" altLang="en-US" sz="2000" b="0" i="0" u="none" strike="noStrike" cap="none" normalizeH="0" baseline="0" dirty="0">
+                <a:ln>
+                  <a:noFill/>
+                </a:ln>
+                <a:solidFill>
+                  <a:srgbClr val="333333"/>
+                </a:solidFill>
+                <a:effectLst/>
+                <a:latin typeface="Consolas" panose="020B0609020204030204" pitchFamily="49" charset="0"/>
+              </a:rPr>
+              <a:t> resilience * diversity, </a:t>
+            </a:r>
+            <a:r>
+              <a:rPr kumimoji="0" lang="en-US" altLang="en-US" sz="2000" b="0" i="0" u="none" strike="noStrike" cap="none" normalizeH="0" baseline="0" dirty="0">
+                <a:ln>
+                  <a:noFill/>
+                </a:ln>
+                <a:solidFill>
+                  <a:srgbClr val="7D9029"/>
+                </a:solidFill>
+                <a:effectLst/>
+                <a:latin typeface="Consolas" panose="020B0609020204030204" pitchFamily="49" charset="0"/>
+              </a:rPr>
+              <a:t>data =</a:t>
+            </a:r>
+            <a:r>
+              <a:rPr kumimoji="0" lang="en-US" altLang="en-US" sz="2000" b="0" i="0" u="none" strike="noStrike" cap="none" normalizeH="0" baseline="0" dirty="0">
+                <a:ln>
+                  <a:noFill/>
+                </a:ln>
+                <a:solidFill>
+                  <a:srgbClr val="333333"/>
+                </a:solidFill>
+                <a:effectLst/>
+                <a:latin typeface="Consolas" panose="020B0609020204030204" pitchFamily="49" charset="0"/>
+              </a:rPr>
+              <a:t> </a:t>
+            </a:r>
+            <a:r>
+              <a:rPr kumimoji="0" lang="en-US" altLang="en-US" sz="2000" b="0" i="0" u="none" strike="noStrike" cap="none" normalizeH="0" baseline="0" dirty="0" err="1">
+                <a:ln>
+                  <a:noFill/>
+                </a:ln>
+                <a:solidFill>
+                  <a:srgbClr val="06287E"/>
+                </a:solidFill>
+                <a:effectLst/>
+                <a:latin typeface="Consolas" panose="020B0609020204030204" pitchFamily="49" charset="0"/>
+              </a:rPr>
+              <a:t>data.frame</a:t>
+            </a:r>
+            <a:r>
+              <a:rPr kumimoji="0" lang="en-US" altLang="en-US" sz="2000" b="0" i="0" u="none" strike="noStrike" cap="none" normalizeH="0" baseline="0" dirty="0">
+                <a:ln>
+                  <a:noFill/>
+                </a:ln>
+                <a:solidFill>
+                  <a:srgbClr val="333333"/>
+                </a:solidFill>
+                <a:effectLst/>
+                <a:latin typeface="Consolas" panose="020B0609020204030204" pitchFamily="49" charset="0"/>
+              </a:rPr>
+              <a:t>(</a:t>
+            </a:r>
+            <a:r>
+              <a:rPr kumimoji="0" lang="en-US" altLang="en-US" sz="2000" b="0" i="0" u="none" strike="noStrike" cap="none" normalizeH="0" baseline="0" dirty="0" err="1">
+                <a:ln>
+                  <a:noFill/>
+                </a:ln>
+                <a:solidFill>
+                  <a:srgbClr val="333333"/>
+                </a:solidFill>
+                <a:effectLst/>
+                <a:latin typeface="Consolas" panose="020B0609020204030204" pitchFamily="49" charset="0"/>
+              </a:rPr>
+              <a:t>resilience_data</a:t>
+            </a:r>
+            <a:r>
+              <a:rPr kumimoji="0" lang="en-US" altLang="en-US" sz="2000" b="0" i="0" u="none" strike="noStrike" cap="none" normalizeH="0" baseline="0" dirty="0">
+                <a:ln>
+                  <a:noFill/>
+                </a:ln>
+                <a:solidFill>
+                  <a:srgbClr val="333333"/>
+                </a:solidFill>
+                <a:effectLst/>
+                <a:latin typeface="Consolas" panose="020B0609020204030204" pitchFamily="49" charset="0"/>
+              </a:rPr>
+              <a:t>))</a:t>
+            </a:r>
+            <a:r>
+              <a:rPr kumimoji="0" lang="en-US" altLang="en-US" sz="900" b="0" i="0" u="none" strike="noStrike" cap="none" normalizeH="0" baseline="0" dirty="0">
+                <a:ln>
+                  <a:noFill/>
+                </a:ln>
+                <a:solidFill>
+                  <a:schemeClr val="tx1"/>
+                </a:solidFill>
+                <a:effectLst/>
+              </a:rPr>
+              <a:t> </a:t>
+            </a:r>
+            <a:endParaRPr kumimoji="0" lang="en-US" altLang="en-US" sz="900" b="0" i="0" u="none" strike="noStrike" cap="none" normalizeH="0" baseline="0" dirty="0">
+              <a:ln>
+                <a:noFill/>
+              </a:ln>
+              <a:solidFill>
+                <a:schemeClr val="tx1"/>
+              </a:solidFill>
+              <a:effectLst/>
+              <a:latin typeface="Arial" panose="020B0604020202020204" pitchFamily="34" charset="0"/>
+            </a:endParaRPr>
+          </a:p>
+        </p:txBody>
+      </p:sp>
+      <p:sp>
+        <p:nvSpPr>
+          <p:cNvPr id="6" name="Rectangle 2"/>
+          <p:cNvSpPr>
+            <a:spLocks noGrp="1" noChangeArrowheads="1"/>
+          </p:cNvSpPr>
+          <p:nvPr>
+            <p:ph idx="1"/>
+          </p:nvPr>
+        </p:nvSpPr>
+        <p:spPr bwMode="auto">
+          <a:xfrm>
+            <a:off x="991409" y="2907558"/>
+            <a:ext cx="10438755" cy="3385542"/>
+          </a:xfrm>
+          <a:prstGeom prst="rect">
+            <a:avLst/>
+          </a:prstGeom>
+          <a:solidFill>
+            <a:srgbClr val="F7F7F7"/>
+          </a:solidFill>
+          <a:ln>
+            <a:noFill/>
+          </a:ln>
+          <a:effectLst/>
+          <a:extLst>
+            <a:ext uri="{91240B29-F687-4F45-9708-019B960494DF}">
+              <a14:hiddenLine xmlns:a14="http://schemas.microsoft.com/office/drawing/2010/main" w="9525">
+                <a:solidFill>
+                  <a:schemeClr val="tx1"/>
+                </a:solidFill>
+                <a:miter lim="800000"/>
+                <a:headEnd/>
+                <a:tailEnd/>
+              </a14:hiddenLine>
+            </a:ext>
+            <a:ext uri="{AF507438-7753-43E0-B8FC-AC1667EBCBE1}">
+              <a14:hiddenEffects xmlns:a14="http://schemas.microsoft.com/office/drawing/2010/main">
+                <a:effectLst>
+                  <a:outerShdw dist="35921" dir="2700000" algn="ctr" rotWithShape="0">
+                    <a:schemeClr val="bg2"/>
+                  </a:outerShdw>
+                </a:effectLst>
+              </a14:hiddenEffects>
+            </a:ext>
+          </a:extLst>
+        </p:spPr>
+        <p:txBody>
+          <a:bodyPr vert="horz" wrap="none" lIns="0" tIns="0" rIns="0" bIns="0" numCol="1" anchor="ctr" anchorCtr="0" compatLnSpc="1">
+            <a:prstTxWarp prst="textNoShape">
+              <a:avLst/>
+            </a:prstTxWarp>
+            <a:spAutoFit/>
+          </a:bodyPr>
+          <a:lstStyle/>
+          <a:p>
+            <a:pPr marL="0" lvl="0" indent="0" eaLnBrk="0" fontAlgn="base" hangingPunct="0">
+              <a:spcBef>
+                <a:spcPct val="0"/>
+              </a:spcBef>
+              <a:spcAft>
+                <a:spcPct val="0"/>
+              </a:spcAft>
+              <a:buNone/>
+            </a:pPr>
+            <a:r>
+              <a:rPr lang="en-US" altLang="en-US" sz="2000" dirty="0">
+                <a:solidFill>
+                  <a:srgbClr val="333333"/>
+                </a:solidFill>
+                <a:latin typeface="Consolas" panose="020B0609020204030204" pitchFamily="49" charset="0"/>
+              </a:rPr>
+              <a:t>## Bayes factor analysis</a:t>
+            </a:r>
+          </a:p>
+          <a:p>
+            <a:pPr marL="0" lvl="0" indent="0" eaLnBrk="0" fontAlgn="base" hangingPunct="0">
+              <a:spcBef>
+                <a:spcPct val="0"/>
+              </a:spcBef>
+              <a:spcAft>
+                <a:spcPct val="0"/>
+              </a:spcAft>
+              <a:buNone/>
+            </a:pPr>
+            <a:r>
+              <a:rPr lang="en-US" altLang="en-US" sz="2000" dirty="0">
+                <a:solidFill>
+                  <a:srgbClr val="333333"/>
+                </a:solidFill>
+                <a:latin typeface="Consolas" panose="020B0609020204030204" pitchFamily="49" charset="0"/>
+              </a:rPr>
+              <a:t>## --------------</a:t>
+            </a:r>
+          </a:p>
+          <a:p>
+            <a:pPr marL="0" lvl="0" indent="0" eaLnBrk="0" fontAlgn="base" hangingPunct="0">
+              <a:spcBef>
+                <a:spcPct val="0"/>
+              </a:spcBef>
+              <a:spcAft>
+                <a:spcPct val="0"/>
+              </a:spcAft>
+              <a:buNone/>
+            </a:pPr>
+            <a:r>
+              <a:rPr lang="en-US" altLang="en-US" sz="2000" dirty="0">
+                <a:solidFill>
+                  <a:srgbClr val="333333"/>
+                </a:solidFill>
+                <a:latin typeface="Consolas" panose="020B0609020204030204" pitchFamily="49" charset="0"/>
+              </a:rPr>
+              <a:t>## [1] resilience                                    : 1.822053e+27 ±0%</a:t>
+            </a:r>
+          </a:p>
+          <a:p>
+            <a:pPr marL="0" lvl="0" indent="0" eaLnBrk="0" fontAlgn="base" hangingPunct="0">
+              <a:spcBef>
+                <a:spcPct val="0"/>
+              </a:spcBef>
+              <a:spcAft>
+                <a:spcPct val="0"/>
+              </a:spcAft>
+              <a:buNone/>
+            </a:pPr>
+            <a:r>
+              <a:rPr lang="en-US" altLang="en-US" sz="2000" dirty="0">
+                <a:solidFill>
+                  <a:srgbClr val="333333"/>
+                </a:solidFill>
+                <a:latin typeface="Consolas" panose="020B0609020204030204" pitchFamily="49" charset="0"/>
+              </a:rPr>
+              <a:t>## [2] adversity                                     : 7.870878e+25 ±0%</a:t>
+            </a:r>
+          </a:p>
+          <a:p>
+            <a:pPr marL="0" lvl="0" indent="0" eaLnBrk="0" fontAlgn="base" hangingPunct="0">
+              <a:spcBef>
+                <a:spcPct val="0"/>
+              </a:spcBef>
+              <a:spcAft>
+                <a:spcPct val="0"/>
+              </a:spcAft>
+              <a:buNone/>
+            </a:pPr>
+            <a:r>
+              <a:rPr lang="en-US" altLang="en-US" sz="2000" dirty="0">
+                <a:solidFill>
+                  <a:srgbClr val="333333"/>
+                </a:solidFill>
+                <a:latin typeface="Consolas" panose="020B0609020204030204" pitchFamily="49" charset="0"/>
+              </a:rPr>
+              <a:t>## [3] resilience + adversity                        : 3.465475e+46 ±0.77%</a:t>
+            </a:r>
+          </a:p>
+          <a:p>
+            <a:pPr marL="0" lvl="0" indent="0" eaLnBrk="0" fontAlgn="base" hangingPunct="0">
+              <a:spcBef>
+                <a:spcPct val="0"/>
+              </a:spcBef>
+              <a:spcAft>
+                <a:spcPct val="0"/>
+              </a:spcAft>
+              <a:buNone/>
+            </a:pPr>
+            <a:r>
+              <a:rPr lang="en-US" altLang="en-US" sz="2000" dirty="0">
+                <a:solidFill>
+                  <a:srgbClr val="333333"/>
+                </a:solidFill>
+                <a:latin typeface="Consolas" panose="020B0609020204030204" pitchFamily="49" charset="0"/>
+              </a:rPr>
+              <a:t>## [4] resilience + adversity + </a:t>
+            </a:r>
+            <a:r>
+              <a:rPr lang="en-US" altLang="en-US" sz="2000" dirty="0" err="1">
+                <a:solidFill>
+                  <a:srgbClr val="333333"/>
+                </a:solidFill>
+                <a:latin typeface="Consolas" panose="020B0609020204030204" pitchFamily="49" charset="0"/>
+              </a:rPr>
+              <a:t>resilience:adversity</a:t>
+            </a:r>
+            <a:r>
+              <a:rPr lang="en-US" altLang="en-US" sz="2000" dirty="0">
+                <a:solidFill>
+                  <a:srgbClr val="333333"/>
+                </a:solidFill>
+                <a:latin typeface="Consolas" panose="020B0609020204030204" pitchFamily="49" charset="0"/>
+              </a:rPr>
+              <a:t> : 3.183135e+49 ±4.65%</a:t>
+            </a:r>
+          </a:p>
+          <a:p>
+            <a:pPr marL="0" lvl="0" indent="0" eaLnBrk="0" fontAlgn="base" hangingPunct="0">
+              <a:spcBef>
+                <a:spcPct val="0"/>
+              </a:spcBef>
+              <a:spcAft>
+                <a:spcPct val="0"/>
+              </a:spcAft>
+              <a:buNone/>
+            </a:pPr>
+            <a:r>
+              <a:rPr lang="en-US" altLang="en-US" sz="2000" dirty="0">
+                <a:solidFill>
+                  <a:srgbClr val="333333"/>
+                </a:solidFill>
+                <a:latin typeface="Consolas" panose="020B0609020204030204" pitchFamily="49" charset="0"/>
+              </a:rPr>
+              <a:t>## </a:t>
+            </a:r>
+          </a:p>
+          <a:p>
+            <a:pPr marL="0" lvl="0" indent="0" eaLnBrk="0" fontAlgn="base" hangingPunct="0">
+              <a:spcBef>
+                <a:spcPct val="0"/>
+              </a:spcBef>
+              <a:spcAft>
+                <a:spcPct val="0"/>
+              </a:spcAft>
+              <a:buNone/>
+            </a:pPr>
+            <a:r>
+              <a:rPr lang="en-US" altLang="en-US" sz="2000" dirty="0">
+                <a:solidFill>
+                  <a:srgbClr val="333333"/>
+                </a:solidFill>
+                <a:latin typeface="Consolas" panose="020B0609020204030204" pitchFamily="49" charset="0"/>
+              </a:rPr>
+              <a:t>## Against denominator:</a:t>
+            </a:r>
+          </a:p>
+          <a:p>
+            <a:pPr marL="0" lvl="0" indent="0" eaLnBrk="0" fontAlgn="base" hangingPunct="0">
+              <a:spcBef>
+                <a:spcPct val="0"/>
+              </a:spcBef>
+              <a:spcAft>
+                <a:spcPct val="0"/>
+              </a:spcAft>
+              <a:buNone/>
+            </a:pPr>
+            <a:r>
+              <a:rPr lang="en-US" altLang="en-US" sz="2000" dirty="0">
+                <a:solidFill>
+                  <a:srgbClr val="333333"/>
+                </a:solidFill>
+                <a:latin typeface="Consolas" panose="020B0609020204030204" pitchFamily="49" charset="0"/>
+              </a:rPr>
+              <a:t>##   Intercept only </a:t>
+            </a:r>
+          </a:p>
+          <a:p>
+            <a:pPr marL="0" lvl="0" indent="0" eaLnBrk="0" fontAlgn="base" hangingPunct="0">
+              <a:spcBef>
+                <a:spcPct val="0"/>
+              </a:spcBef>
+              <a:spcAft>
+                <a:spcPct val="0"/>
+              </a:spcAft>
+              <a:buNone/>
+            </a:pPr>
+            <a:r>
+              <a:rPr lang="en-US" altLang="en-US" sz="2000" dirty="0">
+                <a:solidFill>
+                  <a:srgbClr val="333333"/>
+                </a:solidFill>
+                <a:latin typeface="Consolas" panose="020B0609020204030204" pitchFamily="49" charset="0"/>
+              </a:rPr>
+              <a:t>## ---</a:t>
+            </a:r>
+          </a:p>
+          <a:p>
+            <a:pPr marL="0" lvl="0" indent="0" eaLnBrk="0" fontAlgn="base" hangingPunct="0">
+              <a:spcBef>
+                <a:spcPct val="0"/>
+              </a:spcBef>
+              <a:spcAft>
+                <a:spcPct val="0"/>
+              </a:spcAft>
+              <a:buNone/>
+            </a:pPr>
+            <a:r>
+              <a:rPr lang="en-US" altLang="en-US" sz="2000" dirty="0">
+                <a:solidFill>
+                  <a:srgbClr val="333333"/>
+                </a:solidFill>
+                <a:latin typeface="Consolas" panose="020B0609020204030204" pitchFamily="49" charset="0"/>
+              </a:rPr>
+              <a:t>## Bayes factor type: </a:t>
+            </a:r>
+            <a:r>
+              <a:rPr lang="en-US" altLang="en-US" sz="2000" dirty="0" err="1">
+                <a:solidFill>
+                  <a:srgbClr val="333333"/>
+                </a:solidFill>
+                <a:latin typeface="Consolas" panose="020B0609020204030204" pitchFamily="49" charset="0"/>
+              </a:rPr>
+              <a:t>BFlinearModel</a:t>
+            </a:r>
+            <a:r>
+              <a:rPr lang="en-US" altLang="en-US" sz="2000" dirty="0">
+                <a:solidFill>
+                  <a:srgbClr val="333333"/>
+                </a:solidFill>
+                <a:latin typeface="Consolas" panose="020B0609020204030204" pitchFamily="49" charset="0"/>
+              </a:rPr>
+              <a:t>, JZS</a:t>
+            </a:r>
+            <a:endParaRPr kumimoji="0" lang="en-US" altLang="en-US" sz="100" b="0" i="0" u="none" strike="noStrike" cap="none" normalizeH="0" baseline="0" dirty="0">
+              <a:ln>
+                <a:noFill/>
+              </a:ln>
+              <a:solidFill>
+                <a:schemeClr val="tx1"/>
+              </a:solidFill>
+              <a:effectLst/>
+              <a:latin typeface="Arial" panose="020B0604020202020204" pitchFamily="34" charset="0"/>
+            </a:endParaRPr>
+          </a:p>
+        </p:txBody>
+      </p:sp>
+      <p:sp>
+        <p:nvSpPr>
+          <p:cNvPr id="2" name="TextBox 1">
+            <a:extLst>
+              <a:ext uri="{FF2B5EF4-FFF2-40B4-BE49-F238E27FC236}">
+                <a16:creationId xmlns:a16="http://schemas.microsoft.com/office/drawing/2014/main" id="{3044B594-9953-3F19-8188-E196241187E1}"/>
+              </a:ext>
+            </a:extLst>
+          </p:cNvPr>
+          <p:cNvSpPr txBox="1"/>
+          <p:nvPr/>
+        </p:nvSpPr>
+        <p:spPr>
+          <a:xfrm>
+            <a:off x="0" y="564900"/>
+            <a:ext cx="12192000" cy="461665"/>
+          </a:xfrm>
+          <a:prstGeom prst="rect">
+            <a:avLst/>
+          </a:prstGeom>
+          <a:noFill/>
+        </p:spPr>
+        <p:txBody>
+          <a:bodyPr wrap="square" rtlCol="0">
+            <a:spAutoFit/>
+          </a:bodyPr>
+          <a:lstStyle/>
+          <a:p>
+            <a:pPr algn="ctr"/>
+            <a:r>
+              <a:rPr lang="en-GB" sz="2400" b="1" dirty="0">
+                <a:solidFill>
+                  <a:schemeClr val="accent1">
+                    <a:lumMod val="50000"/>
+                  </a:schemeClr>
+                </a:solidFill>
+              </a:rPr>
+              <a:t>Two-way Bayesian ANOVA with </a:t>
+            </a:r>
+            <a:r>
+              <a:rPr lang="en-GB" sz="2400" b="1" dirty="0" err="1">
+                <a:solidFill>
+                  <a:schemeClr val="accent1">
+                    <a:lumMod val="50000"/>
+                  </a:schemeClr>
+                </a:solidFill>
+              </a:rPr>
+              <a:t>anovaBF</a:t>
+            </a:r>
+            <a:r>
+              <a:rPr lang="en-GB" sz="2400" b="1" dirty="0">
+                <a:solidFill>
+                  <a:schemeClr val="accent1">
+                    <a:lumMod val="50000"/>
+                  </a:schemeClr>
+                </a:solidFill>
+              </a:rPr>
+              <a:t>()</a:t>
+            </a:r>
+          </a:p>
+        </p:txBody>
+      </p:sp>
+      <p:cxnSp>
+        <p:nvCxnSpPr>
+          <p:cNvPr id="8" name="Straight Arrow Connector 7">
+            <a:extLst>
+              <a:ext uri="{FF2B5EF4-FFF2-40B4-BE49-F238E27FC236}">
+                <a16:creationId xmlns:a16="http://schemas.microsoft.com/office/drawing/2014/main" id="{C341B3FA-8940-7923-3EFF-55D1AA83017A}"/>
+              </a:ext>
+            </a:extLst>
+          </p:cNvPr>
+          <p:cNvCxnSpPr>
+            <a:cxnSpLocks/>
+          </p:cNvCxnSpPr>
+          <p:nvPr/>
+        </p:nvCxnSpPr>
+        <p:spPr>
+          <a:xfrm flipH="1" flipV="1">
+            <a:off x="4838007" y="1778198"/>
+            <a:ext cx="315884" cy="331561"/>
+          </a:xfrm>
+          <a:prstGeom prst="straightConnector1">
+            <a:avLst/>
+          </a:prstGeom>
+          <a:ln w="57150">
+            <a:solidFill>
+              <a:srgbClr val="C00000"/>
+            </a:solidFill>
+            <a:tailEnd type="triangle"/>
+          </a:ln>
+        </p:spPr>
+        <p:style>
+          <a:lnRef idx="1">
+            <a:schemeClr val="accent1"/>
+          </a:lnRef>
+          <a:fillRef idx="0">
+            <a:schemeClr val="accent1"/>
+          </a:fillRef>
+          <a:effectRef idx="0">
+            <a:schemeClr val="accent1"/>
+          </a:effectRef>
+          <a:fontRef idx="minor">
+            <a:schemeClr val="tx1"/>
+          </a:fontRef>
+        </p:style>
+      </p:cxnSp>
+      <p:sp>
+        <p:nvSpPr>
+          <p:cNvPr id="12" name="TextBox 11">
+            <a:extLst>
+              <a:ext uri="{FF2B5EF4-FFF2-40B4-BE49-F238E27FC236}">
+                <a16:creationId xmlns:a16="http://schemas.microsoft.com/office/drawing/2014/main" id="{08245159-F96C-A38B-BB90-656D1AA05B83}"/>
+              </a:ext>
+            </a:extLst>
+          </p:cNvPr>
+          <p:cNvSpPr txBox="1"/>
+          <p:nvPr/>
+        </p:nvSpPr>
+        <p:spPr>
+          <a:xfrm>
+            <a:off x="5137266" y="2019712"/>
+            <a:ext cx="3574473" cy="646331"/>
+          </a:xfrm>
+          <a:prstGeom prst="rect">
+            <a:avLst/>
+          </a:prstGeom>
+          <a:solidFill>
+            <a:schemeClr val="accent6">
+              <a:lumMod val="40000"/>
+              <a:lumOff val="60000"/>
+            </a:schemeClr>
+          </a:solidFill>
+        </p:spPr>
+        <p:txBody>
+          <a:bodyPr wrap="square" rtlCol="0">
+            <a:spAutoFit/>
+          </a:bodyPr>
+          <a:lstStyle/>
+          <a:p>
+            <a:r>
+              <a:rPr lang="en-GB" dirty="0"/>
+              <a:t>Using * tells R to automatically include the interaction in the model  </a:t>
+            </a:r>
+          </a:p>
+        </p:txBody>
+      </p:sp>
+    </p:spTree>
+    <p:extLst>
+      <p:ext uri="{BB962C8B-B14F-4D97-AF65-F5344CB8AC3E}">
+        <p14:creationId xmlns:p14="http://schemas.microsoft.com/office/powerpoint/2010/main" val="2992448905"/>
+      </p:ext>
+    </p:extLst>
+  </p:cSld>
+  <p:clrMapOvr>
+    <a:masterClrMapping/>
+  </p:clrMapOvr>
+  <p:timing>
+    <p:tnLst>
+      <p:par>
+        <p:cTn id="1" dur="indefinite" restart="never" nodeType="tmRoot">
+          <p:childTnLst>
+            <p:seq concurrent="1" nextAc="seek">
+              <p:cTn id="2" dur="indefinite" nodeType="mainSeq">
+                <p:childTnLst>
+                  <p:par>
+                    <p:cTn id="3" fill="hold">
+                      <p:stCondLst>
+                        <p:cond delay="indefinite"/>
+                      </p:stCondLst>
+                      <p:childTnLst>
+                        <p:par>
+                          <p:cTn id="4" fill="hold">
+                            <p:stCondLst>
+                              <p:cond delay="0"/>
+                            </p:stCondLst>
+                            <p:childTnLst>
+                              <p:par>
+                                <p:cTn id="5" presetID="1" presetClass="entr" presetSubtype="0" fill="hold" grpId="0" nodeType="clickEffect">
+                                  <p:stCondLst>
+                                    <p:cond delay="0"/>
+                                  </p:stCondLst>
+                                  <p:childTnLst>
+                                    <p:set>
+                                      <p:cBhvr>
+                                        <p:cTn id="6" dur="1" fill="hold">
+                                          <p:stCondLst>
+                                            <p:cond delay="0"/>
+                                          </p:stCondLst>
+                                        </p:cTn>
+                                        <p:tgtEl>
+                                          <p:spTgt spid="6">
+                                            <p:bg/>
+                                          </p:spTgt>
+                                        </p:tgtEl>
+                                        <p:attrNameLst>
+                                          <p:attrName>style.visibility</p:attrName>
+                                        </p:attrNameLst>
+                                      </p:cBhvr>
+                                      <p:to>
+                                        <p:strVal val="visible"/>
+                                      </p:to>
+                                    </p:set>
+                                  </p:childTnLst>
+                                </p:cTn>
+                              </p:par>
+                            </p:childTnLst>
+                          </p:cTn>
+                        </p:par>
+                      </p:childTnLst>
+                    </p:cTn>
+                  </p:par>
+                  <p:par>
+                    <p:cTn id="7" fill="hold">
+                      <p:stCondLst>
+                        <p:cond delay="indefinite"/>
+                      </p:stCondLst>
+                      <p:childTnLst>
+                        <p:par>
+                          <p:cTn id="8" fill="hold">
+                            <p:stCondLst>
+                              <p:cond delay="0"/>
+                            </p:stCondLst>
+                            <p:childTnLst>
+                              <p:par>
+                                <p:cTn id="9" presetID="1" presetClass="entr" presetSubtype="0" fill="hold" grpId="0" nodeType="clickEffect">
+                                  <p:stCondLst>
+                                    <p:cond delay="0"/>
+                                  </p:stCondLst>
+                                  <p:childTnLst>
+                                    <p:set>
+                                      <p:cBhvr>
+                                        <p:cTn id="10" dur="1" fill="hold">
+                                          <p:stCondLst>
+                                            <p:cond delay="0"/>
+                                          </p:stCondLst>
+                                        </p:cTn>
+                                        <p:tgtEl>
+                                          <p:spTgt spid="6">
+                                            <p:txEl>
+                                              <p:pRg st="0" end="0"/>
+                                            </p:txEl>
+                                          </p:spTgt>
+                                        </p:tgtEl>
+                                        <p:attrNameLst>
+                                          <p:attrName>style.visibility</p:attrName>
+                                        </p:attrNameLst>
+                                      </p:cBhvr>
+                                      <p:to>
+                                        <p:strVal val="visible"/>
+                                      </p:to>
+                                    </p:set>
+                                  </p:childTnLst>
+                                </p:cTn>
+                              </p:par>
+                            </p:childTnLst>
+                          </p:cTn>
+                        </p:par>
+                      </p:childTnLst>
+                    </p:cTn>
+                  </p:par>
+                  <p:par>
+                    <p:cTn id="11" fill="hold">
+                      <p:stCondLst>
+                        <p:cond delay="indefinite"/>
+                      </p:stCondLst>
+                      <p:childTnLst>
+                        <p:par>
+                          <p:cTn id="12" fill="hold">
+                            <p:stCondLst>
+                              <p:cond delay="0"/>
+                            </p:stCondLst>
+                            <p:childTnLst>
+                              <p:par>
+                                <p:cTn id="13" presetID="1" presetClass="entr" presetSubtype="0" fill="hold" grpId="0" nodeType="clickEffect">
+                                  <p:stCondLst>
+                                    <p:cond delay="0"/>
+                                  </p:stCondLst>
+                                  <p:childTnLst>
+                                    <p:set>
+                                      <p:cBhvr>
+                                        <p:cTn id="14" dur="1" fill="hold">
+                                          <p:stCondLst>
+                                            <p:cond delay="0"/>
+                                          </p:stCondLst>
+                                        </p:cTn>
+                                        <p:tgtEl>
+                                          <p:spTgt spid="6">
+                                            <p:txEl>
+                                              <p:pRg st="1" end="1"/>
+                                            </p:txEl>
+                                          </p:spTgt>
+                                        </p:tgtEl>
+                                        <p:attrNameLst>
+                                          <p:attrName>style.visibility</p:attrName>
+                                        </p:attrNameLst>
+                                      </p:cBhvr>
+                                      <p:to>
+                                        <p:strVal val="visible"/>
+                                      </p:to>
+                                    </p:set>
+                                  </p:childTnLst>
+                                </p:cTn>
+                              </p:par>
+                            </p:childTnLst>
+                          </p:cTn>
+                        </p:par>
+                      </p:childTnLst>
+                    </p:cTn>
+                  </p:par>
+                  <p:par>
+                    <p:cTn id="15" fill="hold">
+                      <p:stCondLst>
+                        <p:cond delay="indefinite"/>
+                      </p:stCondLst>
+                      <p:childTnLst>
+                        <p:par>
+                          <p:cTn id="16" fill="hold">
+                            <p:stCondLst>
+                              <p:cond delay="0"/>
+                            </p:stCondLst>
+                            <p:childTnLst>
+                              <p:par>
+                                <p:cTn id="17" presetID="1" presetClass="entr" presetSubtype="0" fill="hold" grpId="0" nodeType="clickEffect">
+                                  <p:stCondLst>
+                                    <p:cond delay="0"/>
+                                  </p:stCondLst>
+                                  <p:childTnLst>
+                                    <p:set>
+                                      <p:cBhvr>
+                                        <p:cTn id="18" dur="1" fill="hold">
+                                          <p:stCondLst>
+                                            <p:cond delay="0"/>
+                                          </p:stCondLst>
+                                        </p:cTn>
+                                        <p:tgtEl>
+                                          <p:spTgt spid="6">
+                                            <p:txEl>
+                                              <p:pRg st="2" end="2"/>
+                                            </p:txEl>
+                                          </p:spTgt>
+                                        </p:tgtEl>
+                                        <p:attrNameLst>
+                                          <p:attrName>style.visibility</p:attrName>
+                                        </p:attrNameLst>
+                                      </p:cBhvr>
+                                      <p:to>
+                                        <p:strVal val="visible"/>
+                                      </p:to>
+                                    </p:set>
+                                  </p:childTnLst>
+                                </p:cTn>
+                              </p:par>
+                            </p:childTnLst>
+                          </p:cTn>
+                        </p:par>
+                      </p:childTnLst>
+                    </p:cTn>
+                  </p:par>
+                  <p:par>
+                    <p:cTn id="19" fill="hold">
+                      <p:stCondLst>
+                        <p:cond delay="indefinite"/>
+                      </p:stCondLst>
+                      <p:childTnLst>
+                        <p:par>
+                          <p:cTn id="20" fill="hold">
+                            <p:stCondLst>
+                              <p:cond delay="0"/>
+                            </p:stCondLst>
+                            <p:childTnLst>
+                              <p:par>
+                                <p:cTn id="21" presetID="1" presetClass="entr" presetSubtype="0" fill="hold" grpId="0" nodeType="clickEffect">
+                                  <p:stCondLst>
+                                    <p:cond delay="0"/>
+                                  </p:stCondLst>
+                                  <p:childTnLst>
+                                    <p:set>
+                                      <p:cBhvr>
+                                        <p:cTn id="22" dur="1" fill="hold">
+                                          <p:stCondLst>
+                                            <p:cond delay="0"/>
+                                          </p:stCondLst>
+                                        </p:cTn>
+                                        <p:tgtEl>
+                                          <p:spTgt spid="6">
+                                            <p:txEl>
+                                              <p:pRg st="3" end="3"/>
+                                            </p:txEl>
+                                          </p:spTgt>
+                                        </p:tgtEl>
+                                        <p:attrNameLst>
+                                          <p:attrName>style.visibility</p:attrName>
+                                        </p:attrNameLst>
+                                      </p:cBhvr>
+                                      <p:to>
+                                        <p:strVal val="visible"/>
+                                      </p:to>
+                                    </p:set>
+                                  </p:childTnLst>
+                                </p:cTn>
+                              </p:par>
+                            </p:childTnLst>
+                          </p:cTn>
+                        </p:par>
+                      </p:childTnLst>
+                    </p:cTn>
+                  </p:par>
+                  <p:par>
+                    <p:cTn id="23" fill="hold">
+                      <p:stCondLst>
+                        <p:cond delay="indefinite"/>
+                      </p:stCondLst>
+                      <p:childTnLst>
+                        <p:par>
+                          <p:cTn id="24" fill="hold">
+                            <p:stCondLst>
+                              <p:cond delay="0"/>
+                            </p:stCondLst>
+                            <p:childTnLst>
+                              <p:par>
+                                <p:cTn id="25" presetID="1" presetClass="entr" presetSubtype="0" fill="hold" grpId="0" nodeType="clickEffect">
+                                  <p:stCondLst>
+                                    <p:cond delay="0"/>
+                                  </p:stCondLst>
+                                  <p:childTnLst>
+                                    <p:set>
+                                      <p:cBhvr>
+                                        <p:cTn id="26" dur="1" fill="hold">
+                                          <p:stCondLst>
+                                            <p:cond delay="0"/>
+                                          </p:stCondLst>
+                                        </p:cTn>
+                                        <p:tgtEl>
+                                          <p:spTgt spid="6">
+                                            <p:txEl>
+                                              <p:pRg st="4" end="4"/>
+                                            </p:txEl>
+                                          </p:spTgt>
+                                        </p:tgtEl>
+                                        <p:attrNameLst>
+                                          <p:attrName>style.visibility</p:attrName>
+                                        </p:attrNameLst>
+                                      </p:cBhvr>
+                                      <p:to>
+                                        <p:strVal val="visible"/>
+                                      </p:to>
+                                    </p:set>
+                                  </p:childTnLst>
+                                </p:cTn>
+                              </p:par>
+                            </p:childTnLst>
+                          </p:cTn>
+                        </p:par>
+                      </p:childTnLst>
+                    </p:cTn>
+                  </p:par>
+                  <p:par>
+                    <p:cTn id="27" fill="hold">
+                      <p:stCondLst>
+                        <p:cond delay="indefinite"/>
+                      </p:stCondLst>
+                      <p:childTnLst>
+                        <p:par>
+                          <p:cTn id="28" fill="hold">
+                            <p:stCondLst>
+                              <p:cond delay="0"/>
+                            </p:stCondLst>
+                            <p:childTnLst>
+                              <p:par>
+                                <p:cTn id="29" presetID="1" presetClass="entr" presetSubtype="0" fill="hold" grpId="0" nodeType="clickEffect">
+                                  <p:stCondLst>
+                                    <p:cond delay="0"/>
+                                  </p:stCondLst>
+                                  <p:childTnLst>
+                                    <p:set>
+                                      <p:cBhvr>
+                                        <p:cTn id="30" dur="1" fill="hold">
+                                          <p:stCondLst>
+                                            <p:cond delay="0"/>
+                                          </p:stCondLst>
+                                        </p:cTn>
+                                        <p:tgtEl>
+                                          <p:spTgt spid="6">
+                                            <p:txEl>
+                                              <p:pRg st="5" end="5"/>
+                                            </p:txEl>
+                                          </p:spTgt>
+                                        </p:tgtEl>
+                                        <p:attrNameLst>
+                                          <p:attrName>style.visibility</p:attrName>
+                                        </p:attrNameLst>
+                                      </p:cBhvr>
+                                      <p:to>
+                                        <p:strVal val="visible"/>
+                                      </p:to>
+                                    </p:set>
+                                  </p:childTnLst>
+                                </p:cTn>
+                              </p:par>
+                            </p:childTnLst>
+                          </p:cTn>
+                        </p:par>
+                      </p:childTnLst>
+                    </p:cTn>
+                  </p:par>
+                  <p:par>
+                    <p:cTn id="31" fill="hold">
+                      <p:stCondLst>
+                        <p:cond delay="indefinite"/>
+                      </p:stCondLst>
+                      <p:childTnLst>
+                        <p:par>
+                          <p:cTn id="32" fill="hold">
+                            <p:stCondLst>
+                              <p:cond delay="0"/>
+                            </p:stCondLst>
+                            <p:childTnLst>
+                              <p:par>
+                                <p:cTn id="33" presetID="1" presetClass="entr" presetSubtype="0" fill="hold" grpId="0" nodeType="clickEffect">
+                                  <p:stCondLst>
+                                    <p:cond delay="0"/>
+                                  </p:stCondLst>
+                                  <p:childTnLst>
+                                    <p:set>
+                                      <p:cBhvr>
+                                        <p:cTn id="34" dur="1" fill="hold">
+                                          <p:stCondLst>
+                                            <p:cond delay="0"/>
+                                          </p:stCondLst>
+                                        </p:cTn>
+                                        <p:tgtEl>
+                                          <p:spTgt spid="6">
+                                            <p:txEl>
+                                              <p:pRg st="6" end="6"/>
+                                            </p:txEl>
+                                          </p:spTgt>
+                                        </p:tgtEl>
+                                        <p:attrNameLst>
+                                          <p:attrName>style.visibility</p:attrName>
+                                        </p:attrNameLst>
+                                      </p:cBhvr>
+                                      <p:to>
+                                        <p:strVal val="visible"/>
+                                      </p:to>
+                                    </p:set>
+                                  </p:childTnLst>
+                                </p:cTn>
+                              </p:par>
+                            </p:childTnLst>
+                          </p:cTn>
+                        </p:par>
+                      </p:childTnLst>
+                    </p:cTn>
+                  </p:par>
+                  <p:par>
+                    <p:cTn id="35" fill="hold">
+                      <p:stCondLst>
+                        <p:cond delay="indefinite"/>
+                      </p:stCondLst>
+                      <p:childTnLst>
+                        <p:par>
+                          <p:cTn id="36" fill="hold">
+                            <p:stCondLst>
+                              <p:cond delay="0"/>
+                            </p:stCondLst>
+                            <p:childTnLst>
+                              <p:par>
+                                <p:cTn id="37" presetID="1" presetClass="entr" presetSubtype="0" fill="hold" grpId="0" nodeType="clickEffect">
+                                  <p:stCondLst>
+                                    <p:cond delay="0"/>
+                                  </p:stCondLst>
+                                  <p:childTnLst>
+                                    <p:set>
+                                      <p:cBhvr>
+                                        <p:cTn id="38" dur="1" fill="hold">
+                                          <p:stCondLst>
+                                            <p:cond delay="0"/>
+                                          </p:stCondLst>
+                                        </p:cTn>
+                                        <p:tgtEl>
+                                          <p:spTgt spid="6">
+                                            <p:txEl>
+                                              <p:pRg st="7" end="7"/>
+                                            </p:txEl>
+                                          </p:spTgt>
+                                        </p:tgtEl>
+                                        <p:attrNameLst>
+                                          <p:attrName>style.visibility</p:attrName>
+                                        </p:attrNameLst>
+                                      </p:cBhvr>
+                                      <p:to>
+                                        <p:strVal val="visible"/>
+                                      </p:to>
+                                    </p:set>
+                                  </p:childTnLst>
+                                </p:cTn>
+                              </p:par>
+                            </p:childTnLst>
+                          </p:cTn>
+                        </p:par>
+                      </p:childTnLst>
+                    </p:cTn>
+                  </p:par>
+                  <p:par>
+                    <p:cTn id="39" fill="hold">
+                      <p:stCondLst>
+                        <p:cond delay="indefinite"/>
+                      </p:stCondLst>
+                      <p:childTnLst>
+                        <p:par>
+                          <p:cTn id="40" fill="hold">
+                            <p:stCondLst>
+                              <p:cond delay="0"/>
+                            </p:stCondLst>
+                            <p:childTnLst>
+                              <p:par>
+                                <p:cTn id="41" presetID="1" presetClass="entr" presetSubtype="0" fill="hold" grpId="0" nodeType="clickEffect">
+                                  <p:stCondLst>
+                                    <p:cond delay="0"/>
+                                  </p:stCondLst>
+                                  <p:childTnLst>
+                                    <p:set>
+                                      <p:cBhvr>
+                                        <p:cTn id="42" dur="1" fill="hold">
+                                          <p:stCondLst>
+                                            <p:cond delay="0"/>
+                                          </p:stCondLst>
+                                        </p:cTn>
+                                        <p:tgtEl>
+                                          <p:spTgt spid="6">
+                                            <p:txEl>
+                                              <p:pRg st="8" end="8"/>
+                                            </p:txEl>
+                                          </p:spTgt>
+                                        </p:tgtEl>
+                                        <p:attrNameLst>
+                                          <p:attrName>style.visibility</p:attrName>
+                                        </p:attrNameLst>
+                                      </p:cBhvr>
+                                      <p:to>
+                                        <p:strVal val="visible"/>
+                                      </p:to>
+                                    </p:set>
+                                  </p:childTnLst>
+                                </p:cTn>
+                              </p:par>
+                            </p:childTnLst>
+                          </p:cTn>
+                        </p:par>
+                      </p:childTnLst>
+                    </p:cTn>
+                  </p:par>
+                  <p:par>
+                    <p:cTn id="43" fill="hold">
+                      <p:stCondLst>
+                        <p:cond delay="indefinite"/>
+                      </p:stCondLst>
+                      <p:childTnLst>
+                        <p:par>
+                          <p:cTn id="44" fill="hold">
+                            <p:stCondLst>
+                              <p:cond delay="0"/>
+                            </p:stCondLst>
+                            <p:childTnLst>
+                              <p:par>
+                                <p:cTn id="45" presetID="1" presetClass="entr" presetSubtype="0" fill="hold" grpId="0" nodeType="clickEffect">
+                                  <p:stCondLst>
+                                    <p:cond delay="0"/>
+                                  </p:stCondLst>
+                                  <p:childTnLst>
+                                    <p:set>
+                                      <p:cBhvr>
+                                        <p:cTn id="46" dur="1" fill="hold">
+                                          <p:stCondLst>
+                                            <p:cond delay="0"/>
+                                          </p:stCondLst>
+                                        </p:cTn>
+                                        <p:tgtEl>
+                                          <p:spTgt spid="6">
+                                            <p:txEl>
+                                              <p:pRg st="9" end="9"/>
+                                            </p:txEl>
+                                          </p:spTgt>
+                                        </p:tgtEl>
+                                        <p:attrNameLst>
+                                          <p:attrName>style.visibility</p:attrName>
+                                        </p:attrNameLst>
+                                      </p:cBhvr>
+                                      <p:to>
+                                        <p:strVal val="visible"/>
+                                      </p:to>
+                                    </p:set>
+                                  </p:childTnLst>
+                                </p:cTn>
+                              </p:par>
+                            </p:childTnLst>
+                          </p:cTn>
+                        </p:par>
+                      </p:childTnLst>
+                    </p:cTn>
+                  </p:par>
+                  <p:par>
+                    <p:cTn id="47" fill="hold">
+                      <p:stCondLst>
+                        <p:cond delay="indefinite"/>
+                      </p:stCondLst>
+                      <p:childTnLst>
+                        <p:par>
+                          <p:cTn id="48" fill="hold">
+                            <p:stCondLst>
+                              <p:cond delay="0"/>
+                            </p:stCondLst>
+                            <p:childTnLst>
+                              <p:par>
+                                <p:cTn id="49" presetID="1" presetClass="entr" presetSubtype="0" fill="hold" grpId="0" nodeType="clickEffect">
+                                  <p:stCondLst>
+                                    <p:cond delay="0"/>
+                                  </p:stCondLst>
+                                  <p:childTnLst>
+                                    <p:set>
+                                      <p:cBhvr>
+                                        <p:cTn id="50" dur="1" fill="hold">
+                                          <p:stCondLst>
+                                            <p:cond delay="0"/>
+                                          </p:stCondLst>
+                                        </p:cTn>
+                                        <p:tgtEl>
+                                          <p:spTgt spid="6">
+                                            <p:txEl>
+                                              <p:pRg st="10" end="10"/>
+                                            </p:txEl>
+                                          </p:spTgt>
+                                        </p:tgtEl>
+                                        <p:attrNameLst>
+                                          <p:attrName>style.visibility</p:attrName>
+                                        </p:attrNameLst>
+                                      </p:cBhvr>
+                                      <p:to>
+                                        <p:strVal val="visible"/>
+                                      </p:to>
+                                    </p:set>
+                                  </p:childTnLst>
+                                </p:cTn>
+                              </p:par>
+                            </p:childTnLst>
+                          </p:cTn>
+                        </p:par>
+                      </p:childTnLst>
+                    </p:cTn>
+                  </p:par>
+                  <p:par>
+                    <p:cTn id="51" fill="hold">
+                      <p:stCondLst>
+                        <p:cond delay="indefinite"/>
+                      </p:stCondLst>
+                      <p:childTnLst>
+                        <p:par>
+                          <p:cTn id="52" fill="hold">
+                            <p:stCondLst>
+                              <p:cond delay="0"/>
+                            </p:stCondLst>
+                            <p:childTnLst>
+                              <p:par>
+                                <p:cTn id="53" presetID="1" presetClass="entr" presetSubtype="0" fill="hold" nodeType="clickEffect">
+                                  <p:stCondLst>
+                                    <p:cond delay="0"/>
+                                  </p:stCondLst>
+                                  <p:childTnLst>
+                                    <p:set>
+                                      <p:cBhvr>
+                                        <p:cTn id="54" dur="1" fill="hold">
+                                          <p:stCondLst>
+                                            <p:cond delay="0"/>
+                                          </p:stCondLst>
+                                        </p:cTn>
+                                        <p:tgtEl>
+                                          <p:spTgt spid="8"/>
+                                        </p:tgtEl>
+                                        <p:attrNameLst>
+                                          <p:attrName>style.visibility</p:attrName>
+                                        </p:attrNameLst>
+                                      </p:cBhvr>
+                                      <p:to>
+                                        <p:strVal val="visible"/>
+                                      </p:to>
+                                    </p:set>
+                                  </p:childTnLst>
+                                </p:cTn>
+                              </p:par>
+                              <p:par>
+                                <p:cTn id="55" presetID="1" presetClass="entr" presetSubtype="0" fill="hold" grpId="0" nodeType="withEffect">
+                                  <p:stCondLst>
+                                    <p:cond delay="0"/>
+                                  </p:stCondLst>
+                                  <p:childTnLst>
+                                    <p:set>
+                                      <p:cBhvr>
+                                        <p:cTn id="56" dur="1" fill="hold">
+                                          <p:stCondLst>
+                                            <p:cond delay="0"/>
+                                          </p:stCondLst>
+                                        </p:cTn>
+                                        <p:tgtEl>
+                                          <p:spTgt spid="12"/>
+                                        </p:tgtEl>
+                                        <p:attrNameLst>
+                                          <p:attrName>style.visibility</p:attrName>
+                                        </p:attrNameLst>
+                                      </p:cBhvr>
+                                      <p:to>
+                                        <p:strVal val="visible"/>
+                                      </p:to>
+                                    </p:set>
+                                  </p:childTnLst>
+                                </p:cTn>
+                              </p:par>
+                            </p:childTnLst>
+                          </p:cTn>
+                        </p:par>
+                      </p:childTnLst>
+                    </p:cTn>
+                  </p:par>
+                </p:childTnLst>
+              </p:cTn>
+              <p:prevCondLst>
+                <p:cond evt="onPrev" delay="0">
+                  <p:tgtEl>
+                    <p:sldTgt/>
+                  </p:tgtEl>
+                </p:cond>
+              </p:prevCondLst>
+              <p:nextCondLst>
+                <p:cond evt="onNext" delay="0">
+                  <p:tgtEl>
+                    <p:sldTgt/>
+                  </p:tgtEl>
+                </p:cond>
+              </p:nextCondLst>
+            </p:seq>
+          </p:childTnLst>
+        </p:cTn>
+      </p:par>
+    </p:tnLst>
+    <p:bldLst>
+      <p:bldP spid="6" grpId="0" build="p" animBg="1"/>
+      <p:bldP spid="12" grpId="0" animBg="1"/>
+    </p:bldLst>
+  </p:timing>
+</p:sld>
+</file>
+
+<file path=ppt/slides/slide21.xml><?xml version="1.0" encoding="utf-8"?>
+<p:sld xmlns:a="http://schemas.openxmlformats.org/drawingml/2006/main" xmlns:r="http://schemas.openxmlformats.org/officeDocument/2006/relationships" xmlns:p="http://schemas.openxmlformats.org/presentationml/2006/main">
+  <p:cSld>
+    <p:spTree>
+      <p:nvGrpSpPr>
+        <p:cNvPr id="1" name=""/>
+        <p:cNvGrpSpPr/>
+        <p:nvPr/>
+      </p:nvGrpSpPr>
+      <p:grpSpPr>
+        <a:xfrm>
+          <a:off x="0" y="0"/>
+          <a:ext cx="0" cy="0"/>
+          <a:chOff x="0" y="0"/>
+          <a:chExt cx="0" cy="0"/>
+        </a:xfrm>
+      </p:grpSpPr>
+      <p:sp>
+        <p:nvSpPr>
           <p:cNvPr id="3" name="Content Placeholder 2"/>
           <p:cNvSpPr>
             <a:spLocks noGrp="1"/>
@@ -12940,7 +14657,7 @@
             <a:fld id="{B6F15528-21DE-4FAA-801E-634DDDAF4B2B}" type="slidenum">
               <a:rPr lang="en-US" smtClean="0"/>
               <a:pPr/>
-              <a:t>20</a:t>
+              <a:t>21</a:t>
             </a:fld>
             <a:endParaRPr lang="en-US"/>
           </a:p>
@@ -13238,7 +14955,7 @@
 </p:sld>
 </file>
 
-<file path=ppt/slides/slide21.xml><?xml version="1.0" encoding="utf-8"?>
+<file path=ppt/slides/slide22.xml><?xml version="1.0" encoding="utf-8"?>
 <p:sld xmlns:a="http://schemas.openxmlformats.org/drawingml/2006/main" xmlns:r="http://schemas.openxmlformats.org/officeDocument/2006/relationships" xmlns:p="http://schemas.openxmlformats.org/presentationml/2006/main">
   <p:cSld>
     <p:spTree>
@@ -13273,7 +14990,7 @@
             <a:fld id="{B6F15528-21DE-4FAA-801E-634DDDAF4B2B}" type="slidenum">
               <a:rPr lang="en-US" smtClean="0"/>
               <a:pPr/>
-              <a:t>21</a:t>
+              <a:t>22</a:t>
             </a:fld>
             <a:endParaRPr lang="en-US" dirty="0"/>
           </a:p>
@@ -13287,7 +15004,7 @@
         </p:nvSpPr>
         <p:spPr>
           <a:xfrm>
-            <a:off x="1066800" y="1988367"/>
+            <a:off x="1100051" y="1040716"/>
             <a:ext cx="9677400" cy="1077218"/>
           </a:xfrm>
           <a:prstGeom prst="rect">
@@ -13332,7 +15049,7 @@
         </p:nvSpPr>
         <p:spPr>
           <a:xfrm>
-            <a:off x="1066800" y="4261539"/>
+            <a:off x="1100051" y="3313888"/>
             <a:ext cx="5676810" cy="1200329"/>
           </a:xfrm>
           <a:prstGeom prst="rect">
@@ -13384,7 +15101,7 @@
         </p:nvSpPr>
         <p:spPr>
           <a:xfrm>
-            <a:off x="1066800" y="3105834"/>
+            <a:off x="1100051" y="2158183"/>
             <a:ext cx="6237926" cy="646331"/>
           </a:xfrm>
           <a:prstGeom prst="rect">
@@ -13426,8 +15143,8 @@
         </p:nvSpPr>
         <p:spPr>
           <a:xfrm>
-            <a:off x="4169349" y="5971242"/>
-            <a:ext cx="4349332" cy="369332"/>
+            <a:off x="4202600" y="5023591"/>
+            <a:ext cx="4349332" cy="923330"/>
           </a:xfrm>
           <a:prstGeom prst="rect">
             <a:avLst/>
@@ -13543,6 +15260,26 @@
             <a:r>
               <a:rPr lang="en-GB" dirty="0"/>
               <a:t>Remember, there’s no session next Monday!</a:t>
+            </a:r>
+          </a:p>
+          <a:p>
+            <a:pPr marL="285750" indent="-285750" algn="ctr">
+              <a:buFontTx/>
+              <a:buChar char="-"/>
+            </a:pPr>
+            <a:r>
+              <a:rPr lang="en-GB" dirty="0"/>
+              <a:t>Catch up on worksheets</a:t>
+            </a:r>
+          </a:p>
+          <a:p>
+            <a:pPr marL="285750" indent="-285750" algn="ctr">
+              <a:buFontTx/>
+              <a:buChar char="-"/>
+            </a:pPr>
+            <a:r>
+              <a:rPr lang="en-GB" dirty="0"/>
+              <a:t>Look at the assessment</a:t>
             </a:r>
           </a:p>
         </p:txBody>
@@ -13667,6 +15404,51 @@
                       </p:childTnLst>
                     </p:cTn>
                   </p:par>
+                  <p:par>
+                    <p:cTn id="11" fill="hold">
+                      <p:stCondLst>
+                        <p:cond delay="indefinite"/>
+                      </p:stCondLst>
+                      <p:childTnLst>
+                        <p:par>
+                          <p:cTn id="12" fill="hold">
+                            <p:stCondLst>
+                              <p:cond delay="0"/>
+                            </p:stCondLst>
+                            <p:childTnLst>
+                              <p:par>
+                                <p:cTn id="13" presetID="1" presetClass="entr" presetSubtype="0" fill="hold" grpId="0" nodeType="clickEffect">
+                                  <p:stCondLst>
+                                    <p:cond delay="0"/>
+                                  </p:stCondLst>
+                                  <p:childTnLst>
+                                    <p:set>
+                                      <p:cBhvr>
+                                        <p:cTn id="14" dur="1" fill="hold">
+                                          <p:stCondLst>
+                                            <p:cond delay="0"/>
+                                          </p:stCondLst>
+                                        </p:cTn>
+                                        <p:tgtEl>
+                                          <p:spTgt spid="7"/>
+                                        </p:tgtEl>
+                                        <p:attrNameLst>
+                                          <p:attrName>style.visibility</p:attrName>
+                                        </p:attrNameLst>
+                                      </p:cBhvr>
+                                      <p:to>
+                                        <p:strVal val="visible"/>
+                                      </p:to>
+                                    </p:set>
+                                  </p:childTnLst>
+                                </p:cTn>
+                              </p:par>
+                            </p:childTnLst>
+                          </p:cTn>
+                        </p:par>
+                      </p:childTnLst>
+                    </p:cTn>
+                  </p:par>
                 </p:childTnLst>
               </p:cTn>
               <p:prevCondLst>
@@ -13691,6 +15473,7 @@
     <p:bldLst>
       <p:bldP spid="2" grpId="0" animBg="1"/>
       <p:bldP spid="3" grpId="0"/>
+      <p:bldP spid="7" grpId="0" animBg="1"/>
     </p:bldLst>
   </p:timing>
 </p:sld>
@@ -15421,7 +17204,7 @@
         </p:nvSpPr>
         <p:spPr>
           <a:xfrm rot="16200000">
-            <a:off x="2020431" y="3074947"/>
+            <a:off x="1939749" y="3074947"/>
             <a:ext cx="2840393" cy="369332"/>
           </a:xfrm>
           <a:prstGeom prst="rect">
